--- a/Audits/Audit 1/audit1.pptx
+++ b/Audits/Audit 1/audit1.pptx
@@ -4,6 +4,9 @@
   <p:sldMasterIdLst>
     <p:sldMasterId id="2147483648" r:id="rId1"/>
   </p:sldMasterIdLst>
+  <p:notesMasterIdLst>
+    <p:notesMasterId r:id="rId14"/>
+  </p:notesMasterIdLst>
   <p:sldIdLst>
     <p:sldId id="256" r:id="rId2"/>
     <p:sldId id="257" r:id="rId3"/>
@@ -116,6 +119,454 @@
     </a:lvl9pPr>
   </p:defaultTextStyle>
 </p:presentation>
+</file>
+
+<file path=ppt/notesMasters/notesMaster1.xml><?xml version="1.0" encoding="utf-8"?>
+<p:notesMaster xmlns:a="http://schemas.openxmlformats.org/drawingml/2006/main" xmlns:r="http://schemas.openxmlformats.org/officeDocument/2006/relationships" xmlns:p="http://schemas.openxmlformats.org/presentationml/2006/main">
+  <p:cSld>
+    <p:bg>
+      <p:bgRef idx="1001">
+        <a:schemeClr val="bg1"/>
+      </p:bgRef>
+    </p:bg>
+    <p:spTree>
+      <p:nvGrpSpPr>
+        <p:cNvPr id="1" name=""/>
+        <p:cNvGrpSpPr/>
+        <p:nvPr/>
+      </p:nvGrpSpPr>
+      <p:grpSpPr>
+        <a:xfrm>
+          <a:off x="0" y="0"/>
+          <a:ext cx="0" cy="0"/>
+          <a:chOff x="0" y="0"/>
+          <a:chExt cx="0" cy="0"/>
+        </a:xfrm>
+      </p:grpSpPr>
+      <p:sp>
+        <p:nvSpPr>
+          <p:cNvPr id="2" name="Kopfzeilenplatzhalter 1"/>
+          <p:cNvSpPr>
+            <a:spLocks noGrp="1"/>
+          </p:cNvSpPr>
+          <p:nvPr>
+            <p:ph type="hdr" sz="quarter"/>
+          </p:nvPr>
+        </p:nvSpPr>
+        <p:spPr>
+          <a:xfrm>
+            <a:off x="0" y="0"/>
+            <a:ext cx="2971800" cy="458788"/>
+          </a:xfrm>
+          <a:prstGeom prst="rect">
+            <a:avLst/>
+          </a:prstGeom>
+        </p:spPr>
+        <p:txBody>
+          <a:bodyPr vert="horz" lIns="91440" tIns="45720" rIns="91440" bIns="45720" rtlCol="0"/>
+          <a:lstStyle>
+            <a:lvl1pPr algn="l">
+              <a:defRPr sz="1200"/>
+            </a:lvl1pPr>
+          </a:lstStyle>
+          <a:p>
+            <a:endParaRPr lang="de-DE"/>
+          </a:p>
+        </p:txBody>
+      </p:sp>
+      <p:sp>
+        <p:nvSpPr>
+          <p:cNvPr id="3" name="Datumsplatzhalter 2"/>
+          <p:cNvSpPr>
+            <a:spLocks noGrp="1"/>
+          </p:cNvSpPr>
+          <p:nvPr>
+            <p:ph type="dt" idx="1"/>
+          </p:nvPr>
+        </p:nvSpPr>
+        <p:spPr>
+          <a:xfrm>
+            <a:off x="3884613" y="0"/>
+            <a:ext cx="2971800" cy="458788"/>
+          </a:xfrm>
+          <a:prstGeom prst="rect">
+            <a:avLst/>
+          </a:prstGeom>
+        </p:spPr>
+        <p:txBody>
+          <a:bodyPr vert="horz" lIns="91440" tIns="45720" rIns="91440" bIns="45720" rtlCol="0"/>
+          <a:lstStyle>
+            <a:lvl1pPr algn="r">
+              <a:defRPr sz="1200"/>
+            </a:lvl1pPr>
+          </a:lstStyle>
+          <a:p>
+            <a:fld id="{977B1B07-31C3-4C1E-B546-AD3319070671}" type="datetimeFigureOut">
+              <a:rPr lang="de-DE" smtClean="0"/>
+              <a:t>11.11.2019</a:t>
+            </a:fld>
+            <a:endParaRPr lang="de-DE"/>
+          </a:p>
+        </p:txBody>
+      </p:sp>
+      <p:sp>
+        <p:nvSpPr>
+          <p:cNvPr id="4" name="Folienbildplatzhalter 3"/>
+          <p:cNvSpPr>
+            <a:spLocks noGrp="1" noRot="1" noChangeAspect="1"/>
+          </p:cNvSpPr>
+          <p:nvPr>
+            <p:ph type="sldImg" idx="2"/>
+          </p:nvPr>
+        </p:nvSpPr>
+        <p:spPr>
+          <a:xfrm>
+            <a:off x="685800" y="1143000"/>
+            <a:ext cx="5486400" cy="3086100"/>
+          </a:xfrm>
+          <a:prstGeom prst="rect">
+            <a:avLst/>
+          </a:prstGeom>
+          <a:noFill/>
+          <a:ln w="12700">
+            <a:solidFill>
+              <a:prstClr val="black"/>
+            </a:solidFill>
+          </a:ln>
+        </p:spPr>
+        <p:txBody>
+          <a:bodyPr vert="horz" lIns="91440" tIns="45720" rIns="91440" bIns="45720" rtlCol="0" anchor="ctr"/>
+          <a:lstStyle/>
+          <a:p>
+            <a:endParaRPr lang="de-DE"/>
+          </a:p>
+        </p:txBody>
+      </p:sp>
+      <p:sp>
+        <p:nvSpPr>
+          <p:cNvPr id="5" name="Notizenplatzhalter 4"/>
+          <p:cNvSpPr>
+            <a:spLocks noGrp="1"/>
+          </p:cNvSpPr>
+          <p:nvPr>
+            <p:ph type="body" sz="quarter" idx="3"/>
+          </p:nvPr>
+        </p:nvSpPr>
+        <p:spPr>
+          <a:xfrm>
+            <a:off x="685800" y="4400550"/>
+            <a:ext cx="5486400" cy="3600450"/>
+          </a:xfrm>
+          <a:prstGeom prst="rect">
+            <a:avLst/>
+          </a:prstGeom>
+        </p:spPr>
+        <p:txBody>
+          <a:bodyPr vert="horz" lIns="91440" tIns="45720" rIns="91440" bIns="45720" rtlCol="0"/>
+          <a:lstStyle/>
+          <a:p>
+            <a:pPr lvl="0"/>
+            <a:r>
+              <a:rPr lang="de-DE"/>
+              <a:t>Mastertextformat bearbeiten</a:t>
+            </a:r>
+          </a:p>
+          <a:p>
+            <a:pPr lvl="1"/>
+            <a:r>
+              <a:rPr lang="de-DE"/>
+              <a:t>Zweite Ebene</a:t>
+            </a:r>
+          </a:p>
+          <a:p>
+            <a:pPr lvl="2"/>
+            <a:r>
+              <a:rPr lang="de-DE"/>
+              <a:t>Dritte Ebene</a:t>
+            </a:r>
+          </a:p>
+          <a:p>
+            <a:pPr lvl="3"/>
+            <a:r>
+              <a:rPr lang="de-DE"/>
+              <a:t>Vierte Ebene</a:t>
+            </a:r>
+          </a:p>
+          <a:p>
+            <a:pPr lvl="4"/>
+            <a:r>
+              <a:rPr lang="de-DE"/>
+              <a:t>Fünfte Ebene</a:t>
+            </a:r>
+          </a:p>
+        </p:txBody>
+      </p:sp>
+      <p:sp>
+        <p:nvSpPr>
+          <p:cNvPr id="6" name="Fußzeilenplatzhalter 5"/>
+          <p:cNvSpPr>
+            <a:spLocks noGrp="1"/>
+          </p:cNvSpPr>
+          <p:nvPr>
+            <p:ph type="ftr" sz="quarter" idx="4"/>
+          </p:nvPr>
+        </p:nvSpPr>
+        <p:spPr>
+          <a:xfrm>
+            <a:off x="0" y="8685213"/>
+            <a:ext cx="2971800" cy="458787"/>
+          </a:xfrm>
+          <a:prstGeom prst="rect">
+            <a:avLst/>
+          </a:prstGeom>
+        </p:spPr>
+        <p:txBody>
+          <a:bodyPr vert="horz" lIns="91440" tIns="45720" rIns="91440" bIns="45720" rtlCol="0" anchor="b"/>
+          <a:lstStyle>
+            <a:lvl1pPr algn="l">
+              <a:defRPr sz="1200"/>
+            </a:lvl1pPr>
+          </a:lstStyle>
+          <a:p>
+            <a:endParaRPr lang="de-DE"/>
+          </a:p>
+        </p:txBody>
+      </p:sp>
+      <p:sp>
+        <p:nvSpPr>
+          <p:cNvPr id="7" name="Foliennummernplatzhalter 6"/>
+          <p:cNvSpPr>
+            <a:spLocks noGrp="1"/>
+          </p:cNvSpPr>
+          <p:nvPr>
+            <p:ph type="sldNum" sz="quarter" idx="5"/>
+          </p:nvPr>
+        </p:nvSpPr>
+        <p:spPr>
+          <a:xfrm>
+            <a:off x="3884613" y="8685213"/>
+            <a:ext cx="2971800" cy="458787"/>
+          </a:xfrm>
+          <a:prstGeom prst="rect">
+            <a:avLst/>
+          </a:prstGeom>
+        </p:spPr>
+        <p:txBody>
+          <a:bodyPr vert="horz" lIns="91440" tIns="45720" rIns="91440" bIns="45720" rtlCol="0" anchor="b"/>
+          <a:lstStyle>
+            <a:lvl1pPr algn="r">
+              <a:defRPr sz="1200"/>
+            </a:lvl1pPr>
+          </a:lstStyle>
+          <a:p>
+            <a:fld id="{93AAD37B-C6E5-4998-9164-4CA2BE7D7E22}" type="slidenum">
+              <a:rPr lang="de-DE" smtClean="0"/>
+              <a:t>‹Nr.›</a:t>
+            </a:fld>
+            <a:endParaRPr lang="de-DE"/>
+          </a:p>
+        </p:txBody>
+      </p:sp>
+    </p:spTree>
+    <p:extLst>
+      <p:ext uri="{BB962C8B-B14F-4D97-AF65-F5344CB8AC3E}">
+        <p14:creationId xmlns:p14="http://schemas.microsoft.com/office/powerpoint/2010/main" val="2243176614"/>
+      </p:ext>
+    </p:extLst>
+  </p:cSld>
+  <p:clrMap bg1="lt1" tx1="dk1" bg2="lt2" tx2="dk2" accent1="accent1" accent2="accent2" accent3="accent3" accent4="accent4" accent5="accent5" accent6="accent6" hlink="hlink" folHlink="folHlink"/>
+  <p:notesStyle>
+    <a:lvl1pPr marL="0" algn="l" defTabSz="914400" rtl="0" eaLnBrk="1" latinLnBrk="0" hangingPunct="1">
+      <a:defRPr sz="1200" kern="1200">
+        <a:solidFill>
+          <a:schemeClr val="tx1"/>
+        </a:solidFill>
+        <a:latin typeface="+mn-lt"/>
+        <a:ea typeface="+mn-ea"/>
+        <a:cs typeface="+mn-cs"/>
+      </a:defRPr>
+    </a:lvl1pPr>
+    <a:lvl2pPr marL="457200" algn="l" defTabSz="914400" rtl="0" eaLnBrk="1" latinLnBrk="0" hangingPunct="1">
+      <a:defRPr sz="1200" kern="1200">
+        <a:solidFill>
+          <a:schemeClr val="tx1"/>
+        </a:solidFill>
+        <a:latin typeface="+mn-lt"/>
+        <a:ea typeface="+mn-ea"/>
+        <a:cs typeface="+mn-cs"/>
+      </a:defRPr>
+    </a:lvl2pPr>
+    <a:lvl3pPr marL="914400" algn="l" defTabSz="914400" rtl="0" eaLnBrk="1" latinLnBrk="0" hangingPunct="1">
+      <a:defRPr sz="1200" kern="1200">
+        <a:solidFill>
+          <a:schemeClr val="tx1"/>
+        </a:solidFill>
+        <a:latin typeface="+mn-lt"/>
+        <a:ea typeface="+mn-ea"/>
+        <a:cs typeface="+mn-cs"/>
+      </a:defRPr>
+    </a:lvl3pPr>
+    <a:lvl4pPr marL="1371600" algn="l" defTabSz="914400" rtl="0" eaLnBrk="1" latinLnBrk="0" hangingPunct="1">
+      <a:defRPr sz="1200" kern="1200">
+        <a:solidFill>
+          <a:schemeClr val="tx1"/>
+        </a:solidFill>
+        <a:latin typeface="+mn-lt"/>
+        <a:ea typeface="+mn-ea"/>
+        <a:cs typeface="+mn-cs"/>
+      </a:defRPr>
+    </a:lvl4pPr>
+    <a:lvl5pPr marL="1828800" algn="l" defTabSz="914400" rtl="0" eaLnBrk="1" latinLnBrk="0" hangingPunct="1">
+      <a:defRPr sz="1200" kern="1200">
+        <a:solidFill>
+          <a:schemeClr val="tx1"/>
+        </a:solidFill>
+        <a:latin typeface="+mn-lt"/>
+        <a:ea typeface="+mn-ea"/>
+        <a:cs typeface="+mn-cs"/>
+      </a:defRPr>
+    </a:lvl5pPr>
+    <a:lvl6pPr marL="2286000" algn="l" defTabSz="914400" rtl="0" eaLnBrk="1" latinLnBrk="0" hangingPunct="1">
+      <a:defRPr sz="1200" kern="1200">
+        <a:solidFill>
+          <a:schemeClr val="tx1"/>
+        </a:solidFill>
+        <a:latin typeface="+mn-lt"/>
+        <a:ea typeface="+mn-ea"/>
+        <a:cs typeface="+mn-cs"/>
+      </a:defRPr>
+    </a:lvl6pPr>
+    <a:lvl7pPr marL="2743200" algn="l" defTabSz="914400" rtl="0" eaLnBrk="1" latinLnBrk="0" hangingPunct="1">
+      <a:defRPr sz="1200" kern="1200">
+        <a:solidFill>
+          <a:schemeClr val="tx1"/>
+        </a:solidFill>
+        <a:latin typeface="+mn-lt"/>
+        <a:ea typeface="+mn-ea"/>
+        <a:cs typeface="+mn-cs"/>
+      </a:defRPr>
+    </a:lvl7pPr>
+    <a:lvl8pPr marL="3200400" algn="l" defTabSz="914400" rtl="0" eaLnBrk="1" latinLnBrk="0" hangingPunct="1">
+      <a:defRPr sz="1200" kern="1200">
+        <a:solidFill>
+          <a:schemeClr val="tx1"/>
+        </a:solidFill>
+        <a:latin typeface="+mn-lt"/>
+        <a:ea typeface="+mn-ea"/>
+        <a:cs typeface="+mn-cs"/>
+      </a:defRPr>
+    </a:lvl8pPr>
+    <a:lvl9pPr marL="3657600" algn="l" defTabSz="914400" rtl="0" eaLnBrk="1" latinLnBrk="0" hangingPunct="1">
+      <a:defRPr sz="1200" kern="1200">
+        <a:solidFill>
+          <a:schemeClr val="tx1"/>
+        </a:solidFill>
+        <a:latin typeface="+mn-lt"/>
+        <a:ea typeface="+mn-ea"/>
+        <a:cs typeface="+mn-cs"/>
+      </a:defRPr>
+    </a:lvl9pPr>
+  </p:notesStyle>
+</p:notesMaster>
+</file>
+
+<file path=ppt/notesSlides/notesSlide1.xml><?xml version="1.0" encoding="utf-8"?>
+<p:notes xmlns:a="http://schemas.openxmlformats.org/drawingml/2006/main" xmlns:r="http://schemas.openxmlformats.org/officeDocument/2006/relationships" xmlns:p="http://schemas.openxmlformats.org/presentationml/2006/main">
+  <p:cSld>
+    <p:spTree>
+      <p:nvGrpSpPr>
+        <p:cNvPr id="1" name=""/>
+        <p:cNvGrpSpPr/>
+        <p:nvPr/>
+      </p:nvGrpSpPr>
+      <p:grpSpPr>
+        <a:xfrm>
+          <a:off x="0" y="0"/>
+          <a:ext cx="0" cy="0"/>
+          <a:chOff x="0" y="0"/>
+          <a:chExt cx="0" cy="0"/>
+        </a:xfrm>
+      </p:grpSpPr>
+      <p:sp>
+        <p:nvSpPr>
+          <p:cNvPr id="2" name="Folienbildplatzhalter 1"/>
+          <p:cNvSpPr>
+            <a:spLocks noGrp="1" noRot="1" noChangeAspect="1"/>
+          </p:cNvSpPr>
+          <p:nvPr>
+            <p:ph type="sldImg"/>
+          </p:nvPr>
+        </p:nvSpPr>
+        <p:spPr/>
+      </p:sp>
+      <p:sp>
+        <p:nvSpPr>
+          <p:cNvPr id="3" name="Notizenplatzhalter 2"/>
+          <p:cNvSpPr>
+            <a:spLocks noGrp="1"/>
+          </p:cNvSpPr>
+          <p:nvPr>
+            <p:ph type="body" idx="1"/>
+          </p:nvPr>
+        </p:nvSpPr>
+        <p:spPr/>
+        <p:txBody>
+          <a:bodyPr/>
+          <a:lstStyle/>
+          <a:p>
+            <a:r>
+              <a:rPr lang="de-DE" dirty="0"/>
+              <a:t>Nutzer greift über seinen Browser auf das Trainingssystem zu und kann seinen Stand abfragen</a:t>
+            </a:r>
+          </a:p>
+          <a:p>
+            <a:r>
+              <a:rPr lang="de-DE" dirty="0"/>
+              <a:t>Das System kann daraufhin mit dem Angriffsgenerator auf Anfrage mehrere Angriffe generieren und über entsprechende Schnittstellen an den Nutzer geben.</a:t>
+            </a:r>
+          </a:p>
+          <a:p>
+            <a:r>
+              <a:rPr lang="de-DE" dirty="0"/>
+              <a:t>Wenn dieser den Angriff erkennt und meldet wird dies im System kommuniziert und die entsprechenden Änderungen werden in der Verwaltung vorgenommen.</a:t>
+            </a:r>
+          </a:p>
+        </p:txBody>
+      </p:sp>
+      <p:sp>
+        <p:nvSpPr>
+          <p:cNvPr id="4" name="Foliennummernplatzhalter 3"/>
+          <p:cNvSpPr>
+            <a:spLocks noGrp="1"/>
+          </p:cNvSpPr>
+          <p:nvPr>
+            <p:ph type="sldNum" sz="quarter" idx="5"/>
+          </p:nvPr>
+        </p:nvSpPr>
+        <p:spPr/>
+        <p:txBody>
+          <a:bodyPr/>
+          <a:lstStyle/>
+          <a:p>
+            <a:fld id="{93AAD37B-C6E5-4998-9164-4CA2BE7D7E22}" type="slidenum">
+              <a:rPr lang="de-DE" smtClean="0"/>
+              <a:t>10</a:t>
+            </a:fld>
+            <a:endParaRPr lang="de-DE"/>
+          </a:p>
+        </p:txBody>
+      </p:sp>
+    </p:spTree>
+    <p:extLst>
+      <p:ext uri="{BB962C8B-B14F-4D97-AF65-F5344CB8AC3E}">
+        <p14:creationId xmlns:p14="http://schemas.microsoft.com/office/powerpoint/2010/main" val="550489347"/>
+      </p:ext>
+    </p:extLst>
+  </p:cSld>
+  <p:clrMapOvr>
+    <a:masterClrMapping/>
+  </p:clrMapOvr>
+</p:notes>
 </file>
 
 <file path=ppt/slideLayouts/slideLayout1.xml><?xml version="1.0" encoding="utf-8"?>
@@ -3545,6 +3996,13 @@
               <a:t>Initiativsystem</a:t>
             </a:r>
           </a:p>
+          <a:p>
+            <a:pPr algn="ctr"/>
+            <a:r>
+              <a:rPr lang="de-DE" dirty="0"/>
+              <a:t>Und Verwaltung</a:t>
+            </a:r>
+          </a:p>
         </p:txBody>
       </p:sp>
       <p:sp>
@@ -3892,49 +4350,6 @@
           </a:p>
         </p:txBody>
       </p:sp>
-      <p:cxnSp>
-        <p:nvCxnSpPr>
-          <p:cNvPr id="14" name="Gerade Verbindung mit Pfeil 13">
-            <a:extLst>
-              <a:ext uri="{FF2B5EF4-FFF2-40B4-BE49-F238E27FC236}">
-                <a16:creationId xmlns:a16="http://schemas.microsoft.com/office/drawing/2014/main" id="{B221874C-AC35-4644-BCBE-31C8D61F0087}"/>
-              </a:ext>
-            </a:extLst>
-          </p:cNvPr>
-          <p:cNvCxnSpPr>
-            <a:stCxn id="10" idx="6"/>
-            <a:endCxn id="4" idx="1"/>
-          </p:cNvCxnSpPr>
-          <p:nvPr/>
-        </p:nvCxnSpPr>
-        <p:spPr>
-          <a:xfrm>
-            <a:off x="2968978" y="3778513"/>
-            <a:ext cx="812800" cy="1"/>
-          </a:xfrm>
-          <a:prstGeom prst="straightConnector1">
-            <a:avLst/>
-          </a:prstGeom>
-          <a:ln>
-            <a:headEnd type="triangle"/>
-            <a:tailEnd type="triangle"/>
-          </a:ln>
-        </p:spPr>
-        <p:style>
-          <a:lnRef idx="1">
-            <a:schemeClr val="accent1"/>
-          </a:lnRef>
-          <a:fillRef idx="0">
-            <a:schemeClr val="accent1"/>
-          </a:fillRef>
-          <a:effectRef idx="0">
-            <a:schemeClr val="accent1"/>
-          </a:effectRef>
-          <a:fontRef idx="minor">
-            <a:schemeClr val="tx1"/>
-          </a:fontRef>
-        </p:style>
-      </p:cxnSp>
       <p:cxnSp>
         <p:nvCxnSpPr>
           <p:cNvPr id="18" name="Gerade Verbindung mit Pfeil 17">
@@ -5909,4 +6324,299 @@
     </a:ext>
   </a:extLst>
 </a:theme>
+</file>
+
+<file path=ppt/theme/theme2.xml><?xml version="1.0" encoding="utf-8"?>
+<a:theme xmlns:a="http://schemas.openxmlformats.org/drawingml/2006/main" name="Office">
+  <a:themeElements>
+    <a:clrScheme name="Office">
+      <a:dk1>
+        <a:sysClr val="windowText" lastClr="000000"/>
+      </a:dk1>
+      <a:lt1>
+        <a:sysClr val="window" lastClr="FFFFFF"/>
+      </a:lt1>
+      <a:dk2>
+        <a:srgbClr val="44546A"/>
+      </a:dk2>
+      <a:lt2>
+        <a:srgbClr val="E7E6E6"/>
+      </a:lt2>
+      <a:accent1>
+        <a:srgbClr val="4472C4"/>
+      </a:accent1>
+      <a:accent2>
+        <a:srgbClr val="ED7D31"/>
+      </a:accent2>
+      <a:accent3>
+        <a:srgbClr val="A5A5A5"/>
+      </a:accent3>
+      <a:accent4>
+        <a:srgbClr val="FFC000"/>
+      </a:accent4>
+      <a:accent5>
+        <a:srgbClr val="5B9BD5"/>
+      </a:accent5>
+      <a:accent6>
+        <a:srgbClr val="70AD47"/>
+      </a:accent6>
+      <a:hlink>
+        <a:srgbClr val="0563C1"/>
+      </a:hlink>
+      <a:folHlink>
+        <a:srgbClr val="954F72"/>
+      </a:folHlink>
+    </a:clrScheme>
+    <a:fontScheme name="Office">
+      <a:majorFont>
+        <a:latin typeface="Calibri Light" panose="020F0302020204030204"/>
+        <a:ea typeface=""/>
+        <a:cs typeface=""/>
+        <a:font script="Jpan" typeface="游ゴシック Light"/>
+        <a:font script="Hang" typeface="맑은 고딕"/>
+        <a:font script="Hans" typeface="等线 Light"/>
+        <a:font script="Hant" typeface="新細明體"/>
+        <a:font script="Arab" typeface="Times New Roman"/>
+        <a:font script="Hebr" typeface="Times New Roman"/>
+        <a:font script="Thai" typeface="Angsana New"/>
+        <a:font script="Ethi" typeface="Nyala"/>
+        <a:font script="Beng" typeface="Vrinda"/>
+        <a:font script="Gujr" typeface="Shruti"/>
+        <a:font script="Khmr" typeface="MoolBoran"/>
+        <a:font script="Knda" typeface="Tunga"/>
+        <a:font script="Guru" typeface="Raavi"/>
+        <a:font script="Cans" typeface="Euphemia"/>
+        <a:font script="Cher" typeface="Plantagenet Cherokee"/>
+        <a:font script="Yiii" typeface="Microsoft Yi Baiti"/>
+        <a:font script="Tibt" typeface="Microsoft Himalaya"/>
+        <a:font script="Thaa" typeface="MV Boli"/>
+        <a:font script="Deva" typeface="Mangal"/>
+        <a:font script="Telu" typeface="Gautami"/>
+        <a:font script="Taml" typeface="Latha"/>
+        <a:font script="Syrc" typeface="Estrangelo Edessa"/>
+        <a:font script="Orya" typeface="Kalinga"/>
+        <a:font script="Mlym" typeface="Kartika"/>
+        <a:font script="Laoo" typeface="DokChampa"/>
+        <a:font script="Sinh" typeface="Iskoola Pota"/>
+        <a:font script="Mong" typeface="Mongolian Baiti"/>
+        <a:font script="Viet" typeface="Times New Roman"/>
+        <a:font script="Uigh" typeface="Microsoft Uighur"/>
+        <a:font script="Geor" typeface="Sylfaen"/>
+        <a:font script="Armn" typeface="Arial"/>
+        <a:font script="Bugi" typeface="Leelawadee UI"/>
+        <a:font script="Bopo" typeface="Microsoft JhengHei"/>
+        <a:font script="Java" typeface="Javanese Text"/>
+        <a:font script="Lisu" typeface="Segoe UI"/>
+        <a:font script="Mymr" typeface="Myanmar Text"/>
+        <a:font script="Nkoo" typeface="Ebrima"/>
+        <a:font script="Olck" typeface="Nirmala UI"/>
+        <a:font script="Osma" typeface="Ebrima"/>
+        <a:font script="Phag" typeface="Phagspa"/>
+        <a:font script="Syrn" typeface="Estrangelo Edessa"/>
+        <a:font script="Syrj" typeface="Estrangelo Edessa"/>
+        <a:font script="Syre" typeface="Estrangelo Edessa"/>
+        <a:font script="Sora" typeface="Nirmala UI"/>
+        <a:font script="Tale" typeface="Microsoft Tai Le"/>
+        <a:font script="Talu" typeface="Microsoft New Tai Lue"/>
+        <a:font script="Tfng" typeface="Ebrima"/>
+      </a:majorFont>
+      <a:minorFont>
+        <a:latin typeface="Calibri" panose="020F0502020204030204"/>
+        <a:ea typeface=""/>
+        <a:cs typeface=""/>
+        <a:font script="Jpan" typeface="游ゴシック"/>
+        <a:font script="Hang" typeface="맑은 고딕"/>
+        <a:font script="Hans" typeface="等线"/>
+        <a:font script="Hant" typeface="新細明體"/>
+        <a:font script="Arab" typeface="Arial"/>
+        <a:font script="Hebr" typeface="Arial"/>
+        <a:font script="Thai" typeface="Cordia New"/>
+        <a:font script="Ethi" typeface="Nyala"/>
+        <a:font script="Beng" typeface="Vrinda"/>
+        <a:font script="Gujr" typeface="Shruti"/>
+        <a:font script="Khmr" typeface="DaunPenh"/>
+        <a:font script="Knda" typeface="Tunga"/>
+        <a:font script="Guru" typeface="Raavi"/>
+        <a:font script="Cans" typeface="Euphemia"/>
+        <a:font script="Cher" typeface="Plantagenet Cherokee"/>
+        <a:font script="Yiii" typeface="Microsoft Yi Baiti"/>
+        <a:font script="Tibt" typeface="Microsoft Himalaya"/>
+        <a:font script="Thaa" typeface="MV Boli"/>
+        <a:font script="Deva" typeface="Mangal"/>
+        <a:font script="Telu" typeface="Gautami"/>
+        <a:font script="Taml" typeface="Latha"/>
+        <a:font script="Syrc" typeface="Estrangelo Edessa"/>
+        <a:font script="Orya" typeface="Kalinga"/>
+        <a:font script="Mlym" typeface="Kartika"/>
+        <a:font script="Laoo" typeface="DokChampa"/>
+        <a:font script="Sinh" typeface="Iskoola Pota"/>
+        <a:font script="Mong" typeface="Mongolian Baiti"/>
+        <a:font script="Viet" typeface="Arial"/>
+        <a:font script="Uigh" typeface="Microsoft Uighur"/>
+        <a:font script="Geor" typeface="Sylfaen"/>
+        <a:font script="Armn" typeface="Arial"/>
+        <a:font script="Bugi" typeface="Leelawadee UI"/>
+        <a:font script="Bopo" typeface="Microsoft JhengHei"/>
+        <a:font script="Java" typeface="Javanese Text"/>
+        <a:font script="Lisu" typeface="Segoe UI"/>
+        <a:font script="Mymr" typeface="Myanmar Text"/>
+        <a:font script="Nkoo" typeface="Ebrima"/>
+        <a:font script="Olck" typeface="Nirmala UI"/>
+        <a:font script="Osma" typeface="Ebrima"/>
+        <a:font script="Phag" typeface="Phagspa"/>
+        <a:font script="Syrn" typeface="Estrangelo Edessa"/>
+        <a:font script="Syrj" typeface="Estrangelo Edessa"/>
+        <a:font script="Syre" typeface="Estrangelo Edessa"/>
+        <a:font script="Sora" typeface="Nirmala UI"/>
+        <a:font script="Tale" typeface="Microsoft Tai Le"/>
+        <a:font script="Talu" typeface="Microsoft New Tai Lue"/>
+        <a:font script="Tfng" typeface="Ebrima"/>
+      </a:minorFont>
+    </a:fontScheme>
+    <a:fmtScheme name="Office">
+      <a:fillStyleLst>
+        <a:solidFill>
+          <a:schemeClr val="phClr"/>
+        </a:solidFill>
+        <a:gradFill rotWithShape="1">
+          <a:gsLst>
+            <a:gs pos="0">
+              <a:schemeClr val="phClr">
+                <a:lumMod val="110000"/>
+                <a:satMod val="105000"/>
+                <a:tint val="67000"/>
+              </a:schemeClr>
+            </a:gs>
+            <a:gs pos="50000">
+              <a:schemeClr val="phClr">
+                <a:lumMod val="105000"/>
+                <a:satMod val="103000"/>
+                <a:tint val="73000"/>
+              </a:schemeClr>
+            </a:gs>
+            <a:gs pos="100000">
+              <a:schemeClr val="phClr">
+                <a:lumMod val="105000"/>
+                <a:satMod val="109000"/>
+                <a:tint val="81000"/>
+              </a:schemeClr>
+            </a:gs>
+          </a:gsLst>
+          <a:lin ang="5400000" scaled="0"/>
+        </a:gradFill>
+        <a:gradFill rotWithShape="1">
+          <a:gsLst>
+            <a:gs pos="0">
+              <a:schemeClr val="phClr">
+                <a:satMod val="103000"/>
+                <a:lumMod val="102000"/>
+                <a:tint val="94000"/>
+              </a:schemeClr>
+            </a:gs>
+            <a:gs pos="50000">
+              <a:schemeClr val="phClr">
+                <a:satMod val="110000"/>
+                <a:lumMod val="100000"/>
+                <a:shade val="100000"/>
+              </a:schemeClr>
+            </a:gs>
+            <a:gs pos="100000">
+              <a:schemeClr val="phClr">
+                <a:lumMod val="99000"/>
+                <a:satMod val="120000"/>
+                <a:shade val="78000"/>
+              </a:schemeClr>
+            </a:gs>
+          </a:gsLst>
+          <a:lin ang="5400000" scaled="0"/>
+        </a:gradFill>
+      </a:fillStyleLst>
+      <a:lnStyleLst>
+        <a:ln w="6350" cap="flat" cmpd="sng" algn="ctr">
+          <a:solidFill>
+            <a:schemeClr val="phClr"/>
+          </a:solidFill>
+          <a:prstDash val="solid"/>
+          <a:miter lim="800000"/>
+        </a:ln>
+        <a:ln w="12700" cap="flat" cmpd="sng" algn="ctr">
+          <a:solidFill>
+            <a:schemeClr val="phClr"/>
+          </a:solidFill>
+          <a:prstDash val="solid"/>
+          <a:miter lim="800000"/>
+        </a:ln>
+        <a:ln w="19050" cap="flat" cmpd="sng" algn="ctr">
+          <a:solidFill>
+            <a:schemeClr val="phClr"/>
+          </a:solidFill>
+          <a:prstDash val="solid"/>
+          <a:miter lim="800000"/>
+        </a:ln>
+      </a:lnStyleLst>
+      <a:effectStyleLst>
+        <a:effectStyle>
+          <a:effectLst/>
+        </a:effectStyle>
+        <a:effectStyle>
+          <a:effectLst/>
+        </a:effectStyle>
+        <a:effectStyle>
+          <a:effectLst>
+            <a:outerShdw blurRad="57150" dist="19050" dir="5400000" algn="ctr" rotWithShape="0">
+              <a:srgbClr val="000000">
+                <a:alpha val="63000"/>
+              </a:srgbClr>
+            </a:outerShdw>
+          </a:effectLst>
+        </a:effectStyle>
+      </a:effectStyleLst>
+      <a:bgFillStyleLst>
+        <a:solidFill>
+          <a:schemeClr val="phClr"/>
+        </a:solidFill>
+        <a:solidFill>
+          <a:schemeClr val="phClr">
+            <a:tint val="95000"/>
+            <a:satMod val="170000"/>
+          </a:schemeClr>
+        </a:solidFill>
+        <a:gradFill rotWithShape="1">
+          <a:gsLst>
+            <a:gs pos="0">
+              <a:schemeClr val="phClr">
+                <a:tint val="93000"/>
+                <a:satMod val="150000"/>
+                <a:shade val="98000"/>
+                <a:lumMod val="102000"/>
+              </a:schemeClr>
+            </a:gs>
+            <a:gs pos="50000">
+              <a:schemeClr val="phClr">
+                <a:tint val="98000"/>
+                <a:satMod val="130000"/>
+                <a:shade val="90000"/>
+                <a:lumMod val="103000"/>
+              </a:schemeClr>
+            </a:gs>
+            <a:gs pos="100000">
+              <a:schemeClr val="phClr">
+                <a:shade val="63000"/>
+                <a:satMod val="120000"/>
+              </a:schemeClr>
+            </a:gs>
+          </a:gsLst>
+          <a:lin ang="5400000" scaled="0"/>
+        </a:gradFill>
+      </a:bgFillStyleLst>
+    </a:fmtScheme>
+  </a:themeElements>
+  <a:objectDefaults/>
+  <a:extraClrSchemeLst/>
+  <a:extLst>
+    <a:ext uri="{05A4C25C-085E-4340-85A3-A5531E510DB2}">
+      <thm15:themeFamily xmlns:thm15="http://schemas.microsoft.com/office/thememl/2012/main" name="Office Theme" id="{62F939B6-93AF-4DB8-9C6B-D6C7DFDC589F}" vid="{4A3C46E8-61CC-4603-A589-7422A47A8E4A}"/>
+    </a:ext>
+  </a:extLst>
+</a:theme>
 </file>
--- a/Audits/Audit 1/audit1.pptx
+++ b/Audits/Audit 1/audit1.pptx
@@ -5,21 +5,23 @@
     <p:sldMasterId id="2147483648" r:id="rId1"/>
   </p:sldMasterIdLst>
   <p:notesMasterIdLst>
-    <p:notesMasterId r:id="rId14"/>
+    <p:notesMasterId r:id="rId16"/>
   </p:notesMasterIdLst>
   <p:sldIdLst>
     <p:sldId id="256" r:id="rId2"/>
     <p:sldId id="257" r:id="rId3"/>
-    <p:sldId id="258" r:id="rId4"/>
-    <p:sldId id="259" r:id="rId5"/>
-    <p:sldId id="260" r:id="rId6"/>
-    <p:sldId id="263" r:id="rId7"/>
-    <p:sldId id="265" r:id="rId8"/>
-    <p:sldId id="264" r:id="rId9"/>
-    <p:sldId id="261" r:id="rId10"/>
-    <p:sldId id="262" r:id="rId11"/>
-    <p:sldId id="266" r:id="rId12"/>
-    <p:sldId id="267" r:id="rId13"/>
+    <p:sldId id="268" r:id="rId4"/>
+    <p:sldId id="269" r:id="rId5"/>
+    <p:sldId id="258" r:id="rId6"/>
+    <p:sldId id="259" r:id="rId7"/>
+    <p:sldId id="260" r:id="rId8"/>
+    <p:sldId id="263" r:id="rId9"/>
+    <p:sldId id="265" r:id="rId10"/>
+    <p:sldId id="264" r:id="rId11"/>
+    <p:sldId id="261" r:id="rId12"/>
+    <p:sldId id="262" r:id="rId13"/>
+    <p:sldId id="266" r:id="rId14"/>
+    <p:sldId id="267" r:id="rId15"/>
   </p:sldIdLst>
   <p:sldSz cx="12192000" cy="6858000"/>
   <p:notesSz cx="6858000" cy="9144000"/>
@@ -516,19 +518,11 @@
           <a:p>
             <a:r>
               <a:rPr lang="de-DE" dirty="0"/>
-              <a:t>Nutzer greift über seinen Browser auf das Trainingssystem zu und kann seinen Stand abfragen</a:t>
-            </a:r>
-          </a:p>
-          <a:p>
-            <a:r>
-              <a:rPr lang="de-DE" dirty="0"/>
-              <a:t>Das System kann daraufhin mit dem Angriffsgenerator auf Anfrage mehrere Angriffe generieren und über entsprechende Schnittstellen an den Nutzer geben.</a:t>
-            </a:r>
-          </a:p>
-          <a:p>
-            <a:r>
-              <a:rPr lang="de-DE" dirty="0"/>
-              <a:t>Wenn dieser den Angriff erkennt und meldet wird dies im System kommuniziert und die entsprechenden Änderungen werden in der Verwaltung vorgenommen.</a:t>
+              <a:t>Nur auf Emailphishing gezielt und/oder Angriffe nur </a:t>
+            </a:r>
+            <a:r>
+              <a:rPr lang="de-DE"/>
+              <a:t>im Trainingscenter</a:t>
             </a:r>
           </a:p>
         </p:txBody>
@@ -550,7 +544,211 @@
           <a:p>
             <a:fld id="{93AAD37B-C6E5-4998-9164-4CA2BE7D7E22}" type="slidenum">
               <a:rPr lang="de-DE" smtClean="0"/>
-              <a:t>10</a:t>
+              <a:t>3</a:t>
+            </a:fld>
+            <a:endParaRPr lang="de-DE"/>
+          </a:p>
+        </p:txBody>
+      </p:sp>
+    </p:spTree>
+    <p:extLst>
+      <p:ext uri="{BB962C8B-B14F-4D97-AF65-F5344CB8AC3E}">
+        <p14:creationId xmlns:p14="http://schemas.microsoft.com/office/powerpoint/2010/main" val="3805622381"/>
+      </p:ext>
+    </p:extLst>
+  </p:cSld>
+  <p:clrMapOvr>
+    <a:masterClrMapping/>
+  </p:clrMapOvr>
+</p:notes>
+</file>
+
+<file path=ppt/notesSlides/notesSlide2.xml><?xml version="1.0" encoding="utf-8"?>
+<p:notes xmlns:a="http://schemas.openxmlformats.org/drawingml/2006/main" xmlns:r="http://schemas.openxmlformats.org/officeDocument/2006/relationships" xmlns:p="http://schemas.openxmlformats.org/presentationml/2006/main">
+  <p:cSld>
+    <p:spTree>
+      <p:nvGrpSpPr>
+        <p:cNvPr id="1" name=""/>
+        <p:cNvGrpSpPr/>
+        <p:nvPr/>
+      </p:nvGrpSpPr>
+      <p:grpSpPr>
+        <a:xfrm>
+          <a:off x="0" y="0"/>
+          <a:ext cx="0" cy="0"/>
+          <a:chOff x="0" y="0"/>
+          <a:chExt cx="0" cy="0"/>
+        </a:xfrm>
+      </p:grpSpPr>
+      <p:sp>
+        <p:nvSpPr>
+          <p:cNvPr id="2" name="Folienbildplatzhalter 1"/>
+          <p:cNvSpPr>
+            <a:spLocks noGrp="1" noRot="1" noChangeAspect="1"/>
+          </p:cNvSpPr>
+          <p:nvPr>
+            <p:ph type="sldImg"/>
+          </p:nvPr>
+        </p:nvSpPr>
+        <p:spPr/>
+      </p:sp>
+      <p:sp>
+        <p:nvSpPr>
+          <p:cNvPr id="3" name="Notizenplatzhalter 2"/>
+          <p:cNvSpPr>
+            <a:spLocks noGrp="1"/>
+          </p:cNvSpPr>
+          <p:nvPr>
+            <p:ph type="body" idx="1"/>
+          </p:nvPr>
+        </p:nvSpPr>
+        <p:spPr/>
+        <p:txBody>
+          <a:bodyPr/>
+          <a:lstStyle/>
+          <a:p>
+            <a:r>
+              <a:rPr lang="de-DE" dirty="0" err="1"/>
+              <a:t>Lucysecurity</a:t>
+            </a:r>
+            <a:r>
+              <a:rPr lang="de-DE" dirty="0"/>
+              <a:t> – nur Trainingscenter</a:t>
+            </a:r>
+          </a:p>
+          <a:p>
+            <a:r>
+              <a:rPr lang="de-DE" dirty="0"/>
+              <a:t>Fast Lane (</a:t>
+            </a:r>
+            <a:r>
+              <a:rPr lang="de-DE" dirty="0" err="1"/>
+              <a:t>flane</a:t>
+            </a:r>
+            <a:r>
+              <a:rPr lang="de-DE" dirty="0"/>
+              <a:t>) – nur Seminar</a:t>
+            </a:r>
+          </a:p>
+        </p:txBody>
+      </p:sp>
+      <p:sp>
+        <p:nvSpPr>
+          <p:cNvPr id="4" name="Foliennummernplatzhalter 3"/>
+          <p:cNvSpPr>
+            <a:spLocks noGrp="1"/>
+          </p:cNvSpPr>
+          <p:nvPr>
+            <p:ph type="sldNum" sz="quarter" idx="5"/>
+          </p:nvPr>
+        </p:nvSpPr>
+        <p:spPr/>
+        <p:txBody>
+          <a:bodyPr/>
+          <a:lstStyle/>
+          <a:p>
+            <a:fld id="{93AAD37B-C6E5-4998-9164-4CA2BE7D7E22}" type="slidenum">
+              <a:rPr lang="de-DE" smtClean="0"/>
+              <a:t>4</a:t>
+            </a:fld>
+            <a:endParaRPr lang="de-DE"/>
+          </a:p>
+        </p:txBody>
+      </p:sp>
+    </p:spTree>
+    <p:extLst>
+      <p:ext uri="{BB962C8B-B14F-4D97-AF65-F5344CB8AC3E}">
+        <p14:creationId xmlns:p14="http://schemas.microsoft.com/office/powerpoint/2010/main" val="1089733882"/>
+      </p:ext>
+    </p:extLst>
+  </p:cSld>
+  <p:clrMapOvr>
+    <a:masterClrMapping/>
+  </p:clrMapOvr>
+</p:notes>
+</file>
+
+<file path=ppt/notesSlides/notesSlide3.xml><?xml version="1.0" encoding="utf-8"?>
+<p:notes xmlns:a="http://schemas.openxmlformats.org/drawingml/2006/main" xmlns:r="http://schemas.openxmlformats.org/officeDocument/2006/relationships" xmlns:p="http://schemas.openxmlformats.org/presentationml/2006/main">
+  <p:cSld>
+    <p:spTree>
+      <p:nvGrpSpPr>
+        <p:cNvPr id="1" name=""/>
+        <p:cNvGrpSpPr/>
+        <p:nvPr/>
+      </p:nvGrpSpPr>
+      <p:grpSpPr>
+        <a:xfrm>
+          <a:off x="0" y="0"/>
+          <a:ext cx="0" cy="0"/>
+          <a:chOff x="0" y="0"/>
+          <a:chExt cx="0" cy="0"/>
+        </a:xfrm>
+      </p:grpSpPr>
+      <p:sp>
+        <p:nvSpPr>
+          <p:cNvPr id="2" name="Folienbildplatzhalter 1"/>
+          <p:cNvSpPr>
+            <a:spLocks noGrp="1" noRot="1" noChangeAspect="1"/>
+          </p:cNvSpPr>
+          <p:nvPr>
+            <p:ph type="sldImg"/>
+          </p:nvPr>
+        </p:nvSpPr>
+        <p:spPr/>
+      </p:sp>
+      <p:sp>
+        <p:nvSpPr>
+          <p:cNvPr id="3" name="Notizenplatzhalter 2"/>
+          <p:cNvSpPr>
+            <a:spLocks noGrp="1"/>
+          </p:cNvSpPr>
+          <p:nvPr>
+            <p:ph type="body" idx="1"/>
+          </p:nvPr>
+        </p:nvSpPr>
+        <p:spPr/>
+        <p:txBody>
+          <a:bodyPr/>
+          <a:lstStyle/>
+          <a:p>
+            <a:r>
+              <a:rPr lang="de-DE" dirty="0"/>
+              <a:t>Nutzer greift über seinen Browser auf das Trainingssystem zu und kann seinen Stand abfragen</a:t>
+            </a:r>
+          </a:p>
+          <a:p>
+            <a:r>
+              <a:rPr lang="de-DE" dirty="0"/>
+              <a:t>Das System kann daraufhin mit dem Angriffsgenerator auf Anfrage mehrere Angriffe generieren und über entsprechende Schnittstellen an den Nutzer geben.</a:t>
+            </a:r>
+          </a:p>
+          <a:p>
+            <a:r>
+              <a:rPr lang="de-DE" dirty="0"/>
+              <a:t>Wenn dieser den Angriff erkennt und meldet wird dies im System kommuniziert und die entsprechenden Änderungen werden in der Verwaltung vorgenommen.</a:t>
+            </a:r>
+          </a:p>
+        </p:txBody>
+      </p:sp>
+      <p:sp>
+        <p:nvSpPr>
+          <p:cNvPr id="4" name="Foliennummernplatzhalter 3"/>
+          <p:cNvSpPr>
+            <a:spLocks noGrp="1"/>
+          </p:cNvSpPr>
+          <p:nvPr>
+            <p:ph type="sldNum" sz="quarter" idx="5"/>
+          </p:nvPr>
+        </p:nvSpPr>
+        <p:spPr/>
+        <p:txBody>
+          <a:bodyPr/>
+          <a:lstStyle/>
+          <a:p>
+            <a:fld id="{93AAD37B-C6E5-4998-9164-4CA2BE7D7E22}" type="slidenum">
+              <a:rPr lang="de-DE" smtClean="0"/>
+              <a:t>12</a:t>
             </a:fld>
             <a:endParaRPr lang="de-DE"/>
           </a:p>
@@ -3915,6 +4113,244 @@
           <p:cNvPr id="2" name="Titel 1">
             <a:extLst>
               <a:ext uri="{FF2B5EF4-FFF2-40B4-BE49-F238E27FC236}">
+                <a16:creationId xmlns:a16="http://schemas.microsoft.com/office/drawing/2014/main" id="{2C45EBE2-5739-418B-AF49-52E21AACC836}"/>
+              </a:ext>
+            </a:extLst>
+          </p:cNvPr>
+          <p:cNvSpPr>
+            <a:spLocks noGrp="1"/>
+          </p:cNvSpPr>
+          <p:nvPr>
+            <p:ph type="title"/>
+          </p:nvPr>
+        </p:nvSpPr>
+        <p:spPr/>
+        <p:txBody>
+          <a:bodyPr/>
+          <a:lstStyle/>
+          <a:p>
+            <a:r>
+              <a:rPr lang="de-DE" dirty="0"/>
+              <a:t>Risiken (spezifisch)</a:t>
+            </a:r>
+          </a:p>
+        </p:txBody>
+      </p:sp>
+      <p:sp>
+        <p:nvSpPr>
+          <p:cNvPr id="3" name="Inhaltsplatzhalter 2">
+            <a:extLst>
+              <a:ext uri="{FF2B5EF4-FFF2-40B4-BE49-F238E27FC236}">
+                <a16:creationId xmlns:a16="http://schemas.microsoft.com/office/drawing/2014/main" id="{C0C3ED22-965B-40BA-939B-E69A05BEBFA8}"/>
+              </a:ext>
+            </a:extLst>
+          </p:cNvPr>
+          <p:cNvSpPr>
+            <a:spLocks noGrp="1"/>
+          </p:cNvSpPr>
+          <p:nvPr>
+            <p:ph idx="1"/>
+          </p:nvPr>
+        </p:nvSpPr>
+        <p:spPr/>
+        <p:txBody>
+          <a:bodyPr>
+            <a:normAutofit lnSpcReduction="10000"/>
+          </a:bodyPr>
+          <a:lstStyle/>
+          <a:p>
+            <a:pPr lvl="0"/>
+            <a:r>
+              <a:rPr lang="de-DE" dirty="0"/>
+              <a:t>Die Lernplattform ist nicht erweiterbar.</a:t>
+            </a:r>
+          </a:p>
+          <a:p>
+            <a:pPr lvl="0"/>
+            <a:r>
+              <a:rPr lang="de-DE" dirty="0"/>
+              <a:t>Die Lernplattform bietet Funktionen, welche unrealisierbar sind.</a:t>
+            </a:r>
+          </a:p>
+          <a:p>
+            <a:pPr lvl="0"/>
+            <a:r>
+              <a:rPr lang="de-DE" dirty="0"/>
+              <a:t>Die Stakeholder haben kein Interesse an der Software.</a:t>
+            </a:r>
+          </a:p>
+          <a:p>
+            <a:pPr lvl="0"/>
+            <a:r>
+              <a:rPr lang="de-DE" dirty="0"/>
+              <a:t>Die Lernplattform wurde unzureichend an die ethischen und psychologischen Kriterien angepasst.</a:t>
+            </a:r>
+          </a:p>
+          <a:p>
+            <a:pPr lvl="0"/>
+            <a:r>
+              <a:rPr lang="de-DE" dirty="0"/>
+              <a:t>Der Gamification-Ansatz bietet keinen Mehrwert für das System.</a:t>
+            </a:r>
+          </a:p>
+          <a:p>
+            <a:pPr lvl="0"/>
+            <a:r>
+              <a:rPr lang="de-DE" dirty="0"/>
+              <a:t>Das System ist nicht genügend abgeschirmt und/oder schlecht integriert und ermöglicht selbst wieder einen Angriffsvektor</a:t>
+            </a:r>
+          </a:p>
+          <a:p>
+            <a:pPr lvl="0"/>
+            <a:r>
+              <a:rPr lang="de-DE" dirty="0"/>
+              <a:t>Gemeldete Daten werden falsch gespeichert und es entstehen Datenlecks durch Meldungen echter Angriffe</a:t>
+            </a:r>
+          </a:p>
+          <a:p>
+            <a:endParaRPr lang="de-DE" dirty="0"/>
+          </a:p>
+        </p:txBody>
+      </p:sp>
+    </p:spTree>
+    <p:extLst>
+      <p:ext uri="{BB962C8B-B14F-4D97-AF65-F5344CB8AC3E}">
+        <p14:creationId xmlns:p14="http://schemas.microsoft.com/office/powerpoint/2010/main" val="1188959765"/>
+      </p:ext>
+    </p:extLst>
+  </p:cSld>
+  <p:clrMapOvr>
+    <a:masterClrMapping/>
+  </p:clrMapOvr>
+</p:sld>
+</file>
+
+<file path=ppt/slides/slide11.xml><?xml version="1.0" encoding="utf-8"?>
+<p:sld xmlns:a="http://schemas.openxmlformats.org/drawingml/2006/main" xmlns:r="http://schemas.openxmlformats.org/officeDocument/2006/relationships" xmlns:p="http://schemas.openxmlformats.org/presentationml/2006/main">
+  <p:cSld>
+    <p:spTree>
+      <p:nvGrpSpPr>
+        <p:cNvPr id="1" name=""/>
+        <p:cNvGrpSpPr/>
+        <p:nvPr/>
+      </p:nvGrpSpPr>
+      <p:grpSpPr>
+        <a:xfrm>
+          <a:off x="0" y="0"/>
+          <a:ext cx="0" cy="0"/>
+          <a:chOff x="0" y="0"/>
+          <a:chExt cx="0" cy="0"/>
+        </a:xfrm>
+      </p:grpSpPr>
+      <p:sp>
+        <p:nvSpPr>
+          <p:cNvPr id="2" name="Titel 1">
+            <a:extLst>
+              <a:ext uri="{FF2B5EF4-FFF2-40B4-BE49-F238E27FC236}">
+                <a16:creationId xmlns:a16="http://schemas.microsoft.com/office/drawing/2014/main" id="{9974659D-305A-43E4-BB15-E12789E48EE1}"/>
+              </a:ext>
+            </a:extLst>
+          </p:cNvPr>
+          <p:cNvSpPr>
+            <a:spLocks noGrp="1"/>
+          </p:cNvSpPr>
+          <p:nvPr>
+            <p:ph type="title"/>
+          </p:nvPr>
+        </p:nvSpPr>
+        <p:spPr/>
+        <p:txBody>
+          <a:bodyPr/>
+          <a:lstStyle/>
+          <a:p>
+            <a:r>
+              <a:rPr lang="de-DE" dirty="0"/>
+              <a:t>Abwägung der Methoden</a:t>
+            </a:r>
+          </a:p>
+        </p:txBody>
+      </p:sp>
+      <p:sp>
+        <p:nvSpPr>
+          <p:cNvPr id="3" name="Inhaltsplatzhalter 2">
+            <a:extLst>
+              <a:ext uri="{FF2B5EF4-FFF2-40B4-BE49-F238E27FC236}">
+                <a16:creationId xmlns:a16="http://schemas.microsoft.com/office/drawing/2014/main" id="{4D3B5E45-66F3-4F1F-80C1-C922E038E100}"/>
+              </a:ext>
+            </a:extLst>
+          </p:cNvPr>
+          <p:cNvSpPr>
+            <a:spLocks noGrp="1"/>
+          </p:cNvSpPr>
+          <p:nvPr>
+            <p:ph idx="1"/>
+          </p:nvPr>
+        </p:nvSpPr>
+        <p:spPr/>
+        <p:txBody>
+          <a:bodyPr/>
+          <a:lstStyle/>
+          <a:p>
+            <a:r>
+              <a:rPr lang="de-DE" dirty="0"/>
+              <a:t>Webdienst statt Applikation für leichte Zugänglichkeit</a:t>
+            </a:r>
+          </a:p>
+          <a:p>
+            <a:r>
+              <a:rPr lang="de-DE" dirty="0"/>
+              <a:t>Gamification um Auswertbarkeit und Teilnahmeanreiz zu schaffen</a:t>
+            </a:r>
+          </a:p>
+          <a:p>
+            <a:r>
+              <a:rPr lang="de-DE" dirty="0"/>
+              <a:t>Breite Zugänglichkeit erhöht nebenläufigen Erfolg statt nur bei einer beschränkten Nutzergruppe</a:t>
+            </a:r>
+          </a:p>
+          <a:p>
+            <a:r>
+              <a:rPr lang="de-DE" dirty="0"/>
+              <a:t>Anpassung an Nutzerfähigkeiten um niemanden zu unter-/überfordern</a:t>
+            </a:r>
+          </a:p>
+        </p:txBody>
+      </p:sp>
+    </p:spTree>
+    <p:extLst>
+      <p:ext uri="{BB962C8B-B14F-4D97-AF65-F5344CB8AC3E}">
+        <p14:creationId xmlns:p14="http://schemas.microsoft.com/office/powerpoint/2010/main" val="1678949049"/>
+      </p:ext>
+    </p:extLst>
+  </p:cSld>
+  <p:clrMapOvr>
+    <a:masterClrMapping/>
+  </p:clrMapOvr>
+</p:sld>
+</file>
+
+<file path=ppt/slides/slide12.xml><?xml version="1.0" encoding="utf-8"?>
+<p:sld xmlns:a="http://schemas.openxmlformats.org/drawingml/2006/main" xmlns:r="http://schemas.openxmlformats.org/officeDocument/2006/relationships" xmlns:p="http://schemas.openxmlformats.org/presentationml/2006/main">
+  <p:cSld>
+    <p:spTree>
+      <p:nvGrpSpPr>
+        <p:cNvPr id="1" name=""/>
+        <p:cNvGrpSpPr/>
+        <p:nvPr/>
+      </p:nvGrpSpPr>
+      <p:grpSpPr>
+        <a:xfrm>
+          <a:off x="0" y="0"/>
+          <a:ext cx="0" cy="0"/>
+          <a:chOff x="0" y="0"/>
+          <a:chExt cx="0" cy="0"/>
+        </a:xfrm>
+      </p:grpSpPr>
+      <p:sp>
+        <p:nvSpPr>
+          <p:cNvPr id="2" name="Titel 1">
+            <a:extLst>
+              <a:ext uri="{FF2B5EF4-FFF2-40B4-BE49-F238E27FC236}">
                 <a16:creationId xmlns:a16="http://schemas.microsoft.com/office/drawing/2014/main" id="{830690BA-674A-44F9-9E1C-5AA853E586AF}"/>
               </a:ext>
             </a:extLst>
@@ -4742,7 +5178,7 @@
 </p:sld>
 </file>
 
-<file path=ppt/slides/slide11.xml><?xml version="1.0" encoding="utf-8"?>
+<file path=ppt/slides/slide13.xml><?xml version="1.0" encoding="utf-8"?>
 <p:sld xmlns:a="http://schemas.openxmlformats.org/drawingml/2006/main" xmlns:r="http://schemas.openxmlformats.org/officeDocument/2006/relationships" xmlns:p="http://schemas.openxmlformats.org/presentationml/2006/main">
   <p:cSld>
     <p:spTree>
@@ -4893,7 +5329,7 @@
 </p:sld>
 </file>
 
-<file path=ppt/slides/slide12.xml><?xml version="1.0" encoding="utf-8"?>
+<file path=ppt/slides/slide14.xml><?xml version="1.0" encoding="utf-8"?>
 <p:sld xmlns:a="http://schemas.openxmlformats.org/drawingml/2006/main" xmlns:r="http://schemas.openxmlformats.org/officeDocument/2006/relationships" xmlns:p="http://schemas.openxmlformats.org/presentationml/2006/main">
   <p:cSld>
     <p:spTree>
@@ -5202,7 +5638,7 @@
           <p:cNvPr id="2" name="Titel 1">
             <a:extLst>
               <a:ext uri="{FF2B5EF4-FFF2-40B4-BE49-F238E27FC236}">
-                <a16:creationId xmlns:a16="http://schemas.microsoft.com/office/drawing/2014/main" id="{4F4BB441-52B1-4FFA-909A-774590609DAA}"/>
+                <a16:creationId xmlns:a16="http://schemas.microsoft.com/office/drawing/2014/main" id="{7B140941-50D5-40AF-8605-F191FEA0D554}"/>
               </a:ext>
             </a:extLst>
           </p:cNvPr>
@@ -5220,51 +5656,196 @@
           <a:p>
             <a:r>
               <a:rPr lang="de-DE" dirty="0"/>
-              <a:t>Hauptziel</a:t>
-            </a:r>
-          </a:p>
-        </p:txBody>
-      </p:sp>
-      <p:sp>
-        <p:nvSpPr>
-          <p:cNvPr id="3" name="Inhaltsplatzhalter 2">
-            <a:extLst>
-              <a:ext uri="{FF2B5EF4-FFF2-40B4-BE49-F238E27FC236}">
-                <a16:creationId xmlns:a16="http://schemas.microsoft.com/office/drawing/2014/main" id="{863F7110-D050-4C0E-BD6B-8B591FC4A833}"/>
-              </a:ext>
-            </a:extLst>
-          </p:cNvPr>
-          <p:cNvSpPr>
-            <a:spLocks noGrp="1"/>
-          </p:cNvSpPr>
-          <p:nvPr>
-            <p:ph idx="1"/>
-          </p:nvPr>
-        </p:nvSpPr>
+              <a:t>Existierende Produkte</a:t>
+            </a:r>
+          </a:p>
+        </p:txBody>
+      </p:sp>
+      <p:pic>
+        <p:nvPicPr>
+          <p:cNvPr id="4" name="Grafik 3">
+            <a:extLst>
+              <a:ext uri="{FF2B5EF4-FFF2-40B4-BE49-F238E27FC236}">
+                <a16:creationId xmlns:a16="http://schemas.microsoft.com/office/drawing/2014/main" id="{53BA6609-0233-4ABB-A1D6-6735FA85AB76}"/>
+              </a:ext>
+            </a:extLst>
+          </p:cNvPr>
+          <p:cNvPicPr>
+            <a:picLocks noChangeAspect="1"/>
+          </p:cNvPicPr>
+          <p:nvPr/>
+        </p:nvPicPr>
+        <p:blipFill rotWithShape="1">
+          <a:blip r:embed="rId3"/>
+          <a:srcRect l="51293" t="755" r="-1" b="-755"/>
+          <a:stretch/>
+        </p:blipFill>
         <p:spPr>
           <a:xfrm>
-            <a:off x="838199" y="1825625"/>
-            <a:ext cx="10653889" cy="4351338"/>
+            <a:off x="558180" y="2174142"/>
+            <a:ext cx="4950394" cy="2985653"/>
           </a:xfrm>
+          <a:prstGeom prst="rect">
+            <a:avLst/>
+          </a:prstGeom>
         </p:spPr>
-        <p:txBody>
-          <a:bodyPr/>
-          <a:lstStyle/>
-          <a:p>
-            <a:pPr marL="0" indent="0">
-              <a:buNone/>
-            </a:pPr>
-            <a:r>
-              <a:rPr lang="de-DE" dirty="0"/>
-              <a:t>Das Hauptziel ist es Menschen beizubringen gefährliche Werbeanzeigen und </a:t>
-            </a:r>
-            <a:r>
-              <a:rPr lang="de-DE" dirty="0" err="1"/>
-              <a:t>Phishingversuche</a:t>
-            </a:r>
-            <a:r>
-              <a:rPr lang="de-DE" dirty="0"/>
-              <a:t> besser zu erkennen.</a:t>
+      </p:pic>
+      <p:sp>
+        <p:nvSpPr>
+          <p:cNvPr id="5" name="Textfeld 4">
+            <a:extLst>
+              <a:ext uri="{FF2B5EF4-FFF2-40B4-BE49-F238E27FC236}">
+                <a16:creationId xmlns:a16="http://schemas.microsoft.com/office/drawing/2014/main" id="{06F8608E-6EEE-456F-98A3-50D1401C41BF}"/>
+              </a:ext>
+            </a:extLst>
+          </p:cNvPr>
+          <p:cNvSpPr txBox="1"/>
+          <p:nvPr/>
+        </p:nvSpPr>
+        <p:spPr>
+          <a:xfrm>
+            <a:off x="838200" y="1690688"/>
+            <a:ext cx="3655553" cy="369332"/>
+          </a:xfrm>
+          <a:prstGeom prst="rect">
+            <a:avLst/>
+          </a:prstGeom>
+          <a:noFill/>
+        </p:spPr>
+        <p:txBody>
+          <a:bodyPr wrap="none" rtlCol="0">
+            <a:spAutoFit/>
+          </a:bodyPr>
+          <a:lstStyle/>
+          <a:p>
+            <a:r>
+              <a:rPr lang="de-DE" dirty="0"/>
+              <a:t>Nur Email und Trainingscenterbasiert</a:t>
+            </a:r>
+          </a:p>
+        </p:txBody>
+      </p:sp>
+      <p:sp>
+        <p:nvSpPr>
+          <p:cNvPr id="6" name="Textfeld 5">
+            <a:extLst>
+              <a:ext uri="{FF2B5EF4-FFF2-40B4-BE49-F238E27FC236}">
+                <a16:creationId xmlns:a16="http://schemas.microsoft.com/office/drawing/2014/main" id="{7EBA9DFF-8115-4911-89B5-268929639BA5}"/>
+              </a:ext>
+            </a:extLst>
+          </p:cNvPr>
+          <p:cNvSpPr txBox="1"/>
+          <p:nvPr/>
+        </p:nvSpPr>
+        <p:spPr>
+          <a:xfrm>
+            <a:off x="838200" y="4385918"/>
+            <a:ext cx="4950394" cy="369332"/>
+          </a:xfrm>
+          <a:prstGeom prst="rect">
+            <a:avLst/>
+          </a:prstGeom>
+          <a:noFill/>
+        </p:spPr>
+        <p:txBody>
+          <a:bodyPr wrap="none" rtlCol="0">
+            <a:spAutoFit/>
+          </a:bodyPr>
+          <a:lstStyle/>
+          <a:p>
+            <a:r>
+              <a:rPr lang="de-DE" dirty="0">
+                <a:hlinkClick r:id="rId4"/>
+              </a:rPr>
+              <a:t>https://sosafe.de/</a:t>
+            </a:r>
+            <a:r>
+              <a:rPr lang="de-DE" dirty="0"/>
+              <a:t> letzter Zugriff: 10.11.2019 16:13</a:t>
+            </a:r>
+          </a:p>
+        </p:txBody>
+      </p:sp>
+      <p:pic>
+        <p:nvPicPr>
+          <p:cNvPr id="7" name="Grafik 6">
+            <a:extLst>
+              <a:ext uri="{FF2B5EF4-FFF2-40B4-BE49-F238E27FC236}">
+                <a16:creationId xmlns:a16="http://schemas.microsoft.com/office/drawing/2014/main" id="{BD9F9A4A-D585-44A0-92AA-52A421A1009E}"/>
+              </a:ext>
+            </a:extLst>
+          </p:cNvPr>
+          <p:cNvPicPr>
+            <a:picLocks noChangeAspect="1"/>
+          </p:cNvPicPr>
+          <p:nvPr/>
+        </p:nvPicPr>
+        <p:blipFill>
+          <a:blip r:embed="rId5"/>
+          <a:stretch>
+            <a:fillRect/>
+          </a:stretch>
+        </p:blipFill>
+        <p:spPr>
+          <a:xfrm>
+            <a:off x="6683428" y="2174142"/>
+            <a:ext cx="4950394" cy="2979058"/>
+          </a:xfrm>
+          <a:prstGeom prst="rect">
+            <a:avLst/>
+          </a:prstGeom>
+        </p:spPr>
+      </p:pic>
+      <p:sp>
+        <p:nvSpPr>
+          <p:cNvPr id="8" name="Textfeld 7">
+            <a:extLst>
+              <a:ext uri="{FF2B5EF4-FFF2-40B4-BE49-F238E27FC236}">
+                <a16:creationId xmlns:a16="http://schemas.microsoft.com/office/drawing/2014/main" id="{E4D99D16-0A19-4140-9DC9-90581D42AFC2}"/>
+              </a:ext>
+            </a:extLst>
+          </p:cNvPr>
+          <p:cNvSpPr txBox="1"/>
+          <p:nvPr/>
+        </p:nvSpPr>
+        <p:spPr>
+          <a:xfrm>
+            <a:off x="5637053" y="5159795"/>
+            <a:ext cx="6385146" cy="646331"/>
+          </a:xfrm>
+          <a:prstGeom prst="rect">
+            <a:avLst/>
+          </a:prstGeom>
+          <a:noFill/>
+        </p:spPr>
+        <p:txBody>
+          <a:bodyPr wrap="none" rtlCol="0">
+            <a:spAutoFit/>
+          </a:bodyPr>
+          <a:lstStyle/>
+          <a:p>
+            <a:r>
+              <a:rPr lang="de-DE" dirty="0">
+                <a:hlinkClick r:id="rId6" invalidUrl="https:///"/>
+              </a:rPr>
+              <a:t>https://</a:t>
+            </a:r>
+            <a:r>
+              <a:rPr lang="de-DE" dirty="0">
+                <a:hlinkClick r:id="rId7"/>
+              </a:rPr>
+              <a:t>hwww.hoxhunt.com/gamified-phishing-training-platform/</a:t>
+            </a:r>
+            <a:r>
+              <a:rPr lang="de-DE" dirty="0"/>
+              <a:t> </a:t>
+            </a:r>
+            <a:br>
+              <a:rPr lang="de-DE" dirty="0"/>
+            </a:br>
+            <a:r>
+              <a:rPr lang="de-DE" dirty="0"/>
+              <a:t>letzter Zugriff: 10.11.2019 17:02</a:t>
             </a:r>
           </a:p>
         </p:txBody>
@@ -5272,7 +5853,7 @@
     </p:spTree>
     <p:extLst>
       <p:ext uri="{BB962C8B-B14F-4D97-AF65-F5344CB8AC3E}">
-        <p14:creationId xmlns:p14="http://schemas.microsoft.com/office/powerpoint/2010/main" val="1108350023"/>
+        <p14:creationId xmlns:p14="http://schemas.microsoft.com/office/powerpoint/2010/main" val="3490306840"/>
       </p:ext>
     </p:extLst>
   </p:cSld>
@@ -5304,7 +5885,7 @@
           <p:cNvPr id="2" name="Titel 1">
             <a:extLst>
               <a:ext uri="{FF2B5EF4-FFF2-40B4-BE49-F238E27FC236}">
-                <a16:creationId xmlns:a16="http://schemas.microsoft.com/office/drawing/2014/main" id="{98EC8E17-4D59-4FFD-BE0D-AAFE1173155B}"/>
+                <a16:creationId xmlns:a16="http://schemas.microsoft.com/office/drawing/2014/main" id="{84E4E74F-B33D-482E-9AC9-C3605A891888}"/>
               </a:ext>
             </a:extLst>
           </p:cNvPr>
@@ -5322,104 +5903,163 @@
           <a:p>
             <a:r>
               <a:rPr lang="de-DE" dirty="0"/>
-              <a:t>Unterziele</a:t>
-            </a:r>
-          </a:p>
-        </p:txBody>
-      </p:sp>
-      <p:sp>
-        <p:nvSpPr>
-          <p:cNvPr id="3" name="Inhaltsplatzhalter 2">
-            <a:extLst>
-              <a:ext uri="{FF2B5EF4-FFF2-40B4-BE49-F238E27FC236}">
-                <a16:creationId xmlns:a16="http://schemas.microsoft.com/office/drawing/2014/main" id="{2C67EA09-FD07-4139-A725-E90157088EA5}"/>
-              </a:ext>
-            </a:extLst>
-          </p:cNvPr>
-          <p:cNvSpPr>
-            <a:spLocks noGrp="1"/>
-          </p:cNvSpPr>
-          <p:nvPr>
-            <p:ph idx="1"/>
-          </p:nvPr>
-        </p:nvSpPr>
-        <p:spPr/>
-        <p:txBody>
-          <a:bodyPr>
-            <a:normAutofit fontScale="92500" lnSpcReduction="10000"/>
+              <a:t>Existierende Produkte</a:t>
+            </a:r>
+          </a:p>
+        </p:txBody>
+      </p:sp>
+      <p:pic>
+        <p:nvPicPr>
+          <p:cNvPr id="4" name="Grafik 3">
+            <a:extLst>
+              <a:ext uri="{FF2B5EF4-FFF2-40B4-BE49-F238E27FC236}">
+                <a16:creationId xmlns:a16="http://schemas.microsoft.com/office/drawing/2014/main" id="{C1E688B0-B72D-4C2C-89E5-F4BDD249B413}"/>
+              </a:ext>
+            </a:extLst>
+          </p:cNvPr>
+          <p:cNvPicPr>
+            <a:picLocks noChangeAspect="1"/>
+          </p:cNvPicPr>
+          <p:nvPr/>
+        </p:nvPicPr>
+        <p:blipFill>
+          <a:blip r:embed="rId3"/>
+          <a:stretch>
+            <a:fillRect/>
+          </a:stretch>
+        </p:blipFill>
+        <p:spPr>
+          <a:xfrm>
+            <a:off x="838200" y="1644651"/>
+            <a:ext cx="3486149" cy="3205162"/>
+          </a:xfrm>
+          <a:prstGeom prst="rect">
+            <a:avLst/>
+          </a:prstGeom>
+        </p:spPr>
+      </p:pic>
+      <p:sp>
+        <p:nvSpPr>
+          <p:cNvPr id="5" name="Textfeld 4">
+            <a:extLst>
+              <a:ext uri="{FF2B5EF4-FFF2-40B4-BE49-F238E27FC236}">
+                <a16:creationId xmlns:a16="http://schemas.microsoft.com/office/drawing/2014/main" id="{A95C5EBF-7645-4EE7-A401-F1828E11BBAA}"/>
+              </a:ext>
+            </a:extLst>
+          </p:cNvPr>
+          <p:cNvSpPr txBox="1"/>
+          <p:nvPr/>
+        </p:nvSpPr>
+        <p:spPr>
+          <a:xfrm>
+            <a:off x="1000125" y="4962525"/>
+            <a:ext cx="4188519" cy="646331"/>
+          </a:xfrm>
+          <a:prstGeom prst="rect">
+            <a:avLst/>
+          </a:prstGeom>
+          <a:noFill/>
+        </p:spPr>
+        <p:txBody>
+          <a:bodyPr wrap="none" rtlCol="0">
+            <a:spAutoFit/>
           </a:bodyPr>
           <a:lstStyle/>
           <a:p>
             <a:r>
-              <a:rPr lang="de-DE" dirty="0"/>
-              <a:t>langfristiger Erfolg sowohl bei einer technisch versierten als auch </a:t>
+              <a:rPr lang="de-DE" dirty="0">
+                <a:hlinkClick r:id="rId4"/>
+              </a:rPr>
+              <a:t>https://lucysecurity.com/de/landing-page/</a:t>
             </a:r>
             <a:br>
               <a:rPr lang="de-DE" dirty="0"/>
             </a:br>
             <a:r>
-              <a:rPr lang="de-DE" dirty="0" err="1"/>
-              <a:t>unversierten</a:t>
-            </a:r>
-            <a:r>
-              <a:rPr lang="de-DE" dirty="0"/>
-              <a:t> Zielgruppe </a:t>
-            </a:r>
-          </a:p>
-          <a:p>
-            <a:r>
-              <a:rPr lang="de-DE" dirty="0"/>
-              <a:t>nicht nur Training aus eigenem Anreiz</a:t>
-            </a:r>
-          </a:p>
-          <a:p>
-            <a:r>
-              <a:rPr lang="de-DE" dirty="0"/>
-              <a:t>sondern z.B. initiativ Aktionen und Anreize des Systems für langfristige Motivation</a:t>
-            </a:r>
-          </a:p>
-          <a:p>
-            <a:r>
-              <a:rPr lang="de-DE" dirty="0"/>
-              <a:t>Das System soll sich auf Änderungen in Angriffsmustern einstellen lassen    und neue, angepasste Angriffe generieren und den Nutzer mit diesen </a:t>
-            </a:r>
-            <a:br>
-              <a:rPr lang="de-DE" dirty="0"/>
-            </a:br>
-            <a:r>
-              <a:rPr lang="de-DE" dirty="0"/>
-              <a:t>Trainieren.</a:t>
-            </a:r>
-          </a:p>
-          <a:p>
-            <a:r>
-              <a:rPr lang="de-DE" dirty="0"/>
-              <a:t>Zusätzlich soll es sich in bestehende Umgebungen einbetten lassen und </a:t>
-            </a:r>
-            <a:br>
-              <a:rPr lang="de-DE" dirty="0"/>
-            </a:br>
-            <a:r>
-              <a:rPr lang="de-DE" dirty="0"/>
-              <a:t>möglichst einfach für den Nutzer ein sehr breites Angriffsspektrum </a:t>
-            </a:r>
-            <a:br>
-              <a:rPr lang="de-DE" dirty="0"/>
-            </a:br>
-            <a:r>
-              <a:rPr lang="de-DE" dirty="0"/>
-              <a:t>simulieren können.</a:t>
-            </a:r>
-          </a:p>
-          <a:p>
+              <a:rPr lang="de-DE" dirty="0"/>
+              <a:t>letzter Zugriff: 10.11. 17:12</a:t>
+            </a:r>
+          </a:p>
+        </p:txBody>
+      </p:sp>
+      <p:pic>
+        <p:nvPicPr>
+          <p:cNvPr id="6" name="Grafik 5">
+            <a:extLst>
+              <a:ext uri="{FF2B5EF4-FFF2-40B4-BE49-F238E27FC236}">
+                <a16:creationId xmlns:a16="http://schemas.microsoft.com/office/drawing/2014/main" id="{DA1DA070-3F50-436D-BC38-300939AA1FD9}"/>
+              </a:ext>
+            </a:extLst>
+          </p:cNvPr>
+          <p:cNvPicPr>
+            <a:picLocks noChangeAspect="1"/>
+          </p:cNvPicPr>
+          <p:nvPr/>
+        </p:nvPicPr>
+        <p:blipFill>
+          <a:blip r:embed="rId5"/>
+          <a:stretch>
+            <a:fillRect/>
+          </a:stretch>
+        </p:blipFill>
+        <p:spPr>
+          <a:xfrm>
+            <a:off x="6096000" y="1762125"/>
+            <a:ext cx="5809203" cy="2381250"/>
+          </a:xfrm>
+          <a:prstGeom prst="rect">
+            <a:avLst/>
+          </a:prstGeom>
+        </p:spPr>
+      </p:pic>
+      <p:sp>
+        <p:nvSpPr>
+          <p:cNvPr id="7" name="Textfeld 6">
+            <a:extLst>
+              <a:ext uri="{FF2B5EF4-FFF2-40B4-BE49-F238E27FC236}">
+                <a16:creationId xmlns:a16="http://schemas.microsoft.com/office/drawing/2014/main" id="{6D2A8A24-109A-4B5C-B32B-5FB3FC76B6EC}"/>
+              </a:ext>
+            </a:extLst>
+          </p:cNvPr>
+          <p:cNvSpPr txBox="1"/>
+          <p:nvPr/>
+        </p:nvSpPr>
+        <p:spPr>
+          <a:xfrm>
+            <a:off x="6096000" y="4261444"/>
+            <a:ext cx="3033651" cy="646331"/>
+          </a:xfrm>
+          <a:prstGeom prst="rect">
+            <a:avLst/>
+          </a:prstGeom>
+          <a:noFill/>
+        </p:spPr>
+        <p:txBody>
+          <a:bodyPr wrap="none" rtlCol="0">
+            <a:spAutoFit/>
+          </a:bodyPr>
+          <a:lstStyle/>
+          <a:p>
+            <a:r>
+              <a:rPr lang="de-DE" dirty="0">
+                <a:hlinkClick r:id="rId6"/>
+              </a:rPr>
+              <a:t>https://www.flane.de/security</a:t>
+            </a:r>
             <a:endParaRPr lang="de-DE" dirty="0"/>
+          </a:p>
+          <a:p>
+            <a:r>
+              <a:rPr lang="de-DE" dirty="0"/>
+              <a:t>Letzter Zugriff: 10.11. 17:32</a:t>
+            </a:r>
           </a:p>
         </p:txBody>
       </p:sp>
     </p:spTree>
     <p:extLst>
       <p:ext uri="{BB962C8B-B14F-4D97-AF65-F5344CB8AC3E}">
-        <p14:creationId xmlns:p14="http://schemas.microsoft.com/office/powerpoint/2010/main" val="552176174"/>
+        <p14:creationId xmlns:p14="http://schemas.microsoft.com/office/powerpoint/2010/main" val="2758158893"/>
       </p:ext>
     </p:extLst>
   </p:cSld>
@@ -5451,7 +6091,7 @@
           <p:cNvPr id="2" name="Titel 1">
             <a:extLst>
               <a:ext uri="{FF2B5EF4-FFF2-40B4-BE49-F238E27FC236}">
-                <a16:creationId xmlns:a16="http://schemas.microsoft.com/office/drawing/2014/main" id="{6FB701BE-9FC8-468B-A1B4-928A7378B21D}"/>
+                <a16:creationId xmlns:a16="http://schemas.microsoft.com/office/drawing/2014/main" id="{4F4BB441-52B1-4FFA-909A-774590609DAA}"/>
               </a:ext>
             </a:extLst>
           </p:cNvPr>
@@ -5469,7 +6109,7 @@
           <a:p>
             <a:r>
               <a:rPr lang="de-DE" dirty="0"/>
-              <a:t>Vorgehen zur Zielerreichung</a:t>
+              <a:t>Hauptziel</a:t>
             </a:r>
           </a:p>
         </p:txBody>
@@ -5479,7 +6119,7 @@
           <p:cNvPr id="3" name="Inhaltsplatzhalter 2">
             <a:extLst>
               <a:ext uri="{FF2B5EF4-FFF2-40B4-BE49-F238E27FC236}">
-                <a16:creationId xmlns:a16="http://schemas.microsoft.com/office/drawing/2014/main" id="{64C9016D-9356-4444-BB52-C06EB1D1D80A}"/>
+                <a16:creationId xmlns:a16="http://schemas.microsoft.com/office/drawing/2014/main" id="{863F7110-D050-4C0E-BD6B-8B591FC4A833}"/>
               </a:ext>
             </a:extLst>
           </p:cNvPr>
@@ -5490,49 +6130,38 @@
             <p:ph idx="1"/>
           </p:nvPr>
         </p:nvSpPr>
-        <p:spPr/>
-        <p:txBody>
-          <a:bodyPr/>
-          <a:lstStyle/>
-          <a:p>
-            <a:r>
-              <a:rPr lang="de-DE" dirty="0"/>
-              <a:t>Langfristiger Anreiz und Erfolg durch Gamification</a:t>
-            </a:r>
-          </a:p>
-          <a:p>
-            <a:r>
-              <a:rPr lang="de-DE" dirty="0"/>
-              <a:t>Komplexitätsvarianz in Angriffen zum Angleich an Nutzerfähigkeiten</a:t>
-            </a:r>
-          </a:p>
-          <a:p>
-            <a:r>
-              <a:rPr lang="de-DE" dirty="0"/>
-              <a:t>Individualisierungsmöglichkeiten für Angriffe</a:t>
-            </a:r>
-          </a:p>
-          <a:p>
-            <a:r>
-              <a:rPr lang="de-DE" dirty="0"/>
-              <a:t>Aktive Einbindung in echte Werbeanzeigen oder Mails um initiativ zu wirken</a:t>
-            </a:r>
-          </a:p>
-          <a:p>
-            <a:r>
-              <a:rPr lang="de-DE" dirty="0"/>
-              <a:t>Nachträgliches nachliefern neuer Angriffe möglich</a:t>
-            </a:r>
-          </a:p>
-          <a:p>
-            <a:endParaRPr lang="de-DE" dirty="0"/>
+        <p:spPr>
+          <a:xfrm>
+            <a:off x="838199" y="1825625"/>
+            <a:ext cx="10653889" cy="4351338"/>
+          </a:xfrm>
+        </p:spPr>
+        <p:txBody>
+          <a:bodyPr/>
+          <a:lstStyle/>
+          <a:p>
+            <a:pPr marL="0" indent="0">
+              <a:buNone/>
+            </a:pPr>
+            <a:r>
+              <a:rPr lang="de-DE" dirty="0"/>
+              <a:t>Das Hauptziel ist es Menschen beizubringen gefährliche Werbeanzeigen und </a:t>
+            </a:r>
+            <a:r>
+              <a:rPr lang="de-DE" dirty="0" err="1"/>
+              <a:t>Phishingversuche</a:t>
+            </a:r>
+            <a:r>
+              <a:rPr lang="de-DE" dirty="0"/>
+              <a:t> besser zu erkennen.</a:t>
+            </a:r>
           </a:p>
         </p:txBody>
       </p:sp>
     </p:spTree>
     <p:extLst>
       <p:ext uri="{BB962C8B-B14F-4D97-AF65-F5344CB8AC3E}">
-        <p14:creationId xmlns:p14="http://schemas.microsoft.com/office/powerpoint/2010/main" val="443940174"/>
+        <p14:creationId xmlns:p14="http://schemas.microsoft.com/office/powerpoint/2010/main" val="1108350023"/>
       </p:ext>
     </p:extLst>
   </p:cSld>
@@ -5564,7 +6193,7 @@
           <p:cNvPr id="2" name="Titel 1">
             <a:extLst>
               <a:ext uri="{FF2B5EF4-FFF2-40B4-BE49-F238E27FC236}">
-                <a16:creationId xmlns:a16="http://schemas.microsoft.com/office/drawing/2014/main" id="{3D9F0A5A-284C-42D3-A599-0A55304E5C54}"/>
+                <a16:creationId xmlns:a16="http://schemas.microsoft.com/office/drawing/2014/main" id="{98EC8E17-4D59-4FFD-BE0D-AAFE1173155B}"/>
               </a:ext>
             </a:extLst>
           </p:cNvPr>
@@ -5582,7 +6211,7 @@
           <a:p>
             <a:r>
               <a:rPr lang="de-DE" dirty="0"/>
-              <a:t>Alleinstellungsmerkmale</a:t>
+              <a:t>Unterziele</a:t>
             </a:r>
           </a:p>
         </p:txBody>
@@ -5592,7 +6221,7 @@
           <p:cNvPr id="3" name="Inhaltsplatzhalter 2">
             <a:extLst>
               <a:ext uri="{FF2B5EF4-FFF2-40B4-BE49-F238E27FC236}">
-                <a16:creationId xmlns:a16="http://schemas.microsoft.com/office/drawing/2014/main" id="{9C2F214B-5F8F-4A7D-B495-19E49C19FB4A}"/>
+                <a16:creationId xmlns:a16="http://schemas.microsoft.com/office/drawing/2014/main" id="{2C67EA09-FD07-4139-A725-E90157088EA5}"/>
               </a:ext>
             </a:extLst>
           </p:cNvPr>
@@ -5605,63 +6234,70 @@
         </p:nvSpPr>
         <p:spPr/>
         <p:txBody>
-          <a:bodyPr/>
-          <a:lstStyle/>
-          <a:p>
-            <a:pPr lvl="0"/>
-            <a:r>
-              <a:rPr lang="de-DE" dirty="0"/>
-              <a:t>Anpassung an die jeweiligen </a:t>
-            </a:r>
+          <a:bodyPr>
+            <a:normAutofit fontScale="92500" lnSpcReduction="10000"/>
+          </a:bodyPr>
+          <a:lstStyle/>
+          <a:p>
+            <a:r>
+              <a:rPr lang="de-DE" dirty="0"/>
+              <a:t>langfristiger Erfolg sowohl bei einer technisch versierten als auch </a:t>
+            </a:r>
+            <a:br>
+              <a:rPr lang="de-DE" dirty="0"/>
+            </a:br>
             <a:r>
               <a:rPr lang="de-DE" dirty="0" err="1"/>
-              <a:t>Nutzerskills</a:t>
-            </a:r>
-            <a:r>
-              <a:rPr lang="de-DE" dirty="0"/>
-              <a:t>.</a:t>
-            </a:r>
-          </a:p>
-          <a:p>
-            <a:pPr lvl="0"/>
-            <a:r>
-              <a:rPr lang="de-DE" dirty="0"/>
-              <a:t>Auch für Privatanwender nutzbar.</a:t>
-            </a:r>
-          </a:p>
-          <a:p>
-            <a:pPr lvl="0"/>
-            <a:r>
-              <a:rPr lang="de-DE" dirty="0"/>
-              <a:t>Möglichkeit der Gleichrangigkeit bei Firmen (Mitarbeiter = Chef).</a:t>
-            </a:r>
-          </a:p>
-          <a:p>
-            <a:pPr lvl="0"/>
-            <a:r>
-              <a:rPr lang="de-DE" dirty="0"/>
-              <a:t>Einbettung in existierende Systeme</a:t>
-            </a:r>
-          </a:p>
-          <a:p>
-            <a:pPr lvl="0"/>
-            <a:r>
-              <a:rPr lang="de-DE" dirty="0"/>
-              <a:t>Nutzertraining außerhalb der Plattform</a:t>
-            </a:r>
-          </a:p>
-          <a:p>
-            <a:pPr lvl="0"/>
-            <a:r>
-              <a:rPr lang="de-DE" dirty="0"/>
-              <a:t>Keine zeitliche Begrenzung</a:t>
-            </a:r>
-          </a:p>
-          <a:p>
-            <a:pPr lvl="0"/>
-            <a:r>
-              <a:rPr lang="de-DE" dirty="0"/>
-              <a:t>Kann sich eventuell an den Nutzer und seine Fähigkeiten anpassen</a:t>
+              <a:t>unversierten</a:t>
+            </a:r>
+            <a:r>
+              <a:rPr lang="de-DE" dirty="0"/>
+              <a:t> Zielgruppe </a:t>
+            </a:r>
+          </a:p>
+          <a:p>
+            <a:r>
+              <a:rPr lang="de-DE" dirty="0"/>
+              <a:t>nicht nur Training aus eigenem Anreiz</a:t>
+            </a:r>
+          </a:p>
+          <a:p>
+            <a:r>
+              <a:rPr lang="de-DE" dirty="0"/>
+              <a:t>sondern z.B. initiativ Aktionen und Anreize des Systems für langfristige Motivation</a:t>
+            </a:r>
+          </a:p>
+          <a:p>
+            <a:r>
+              <a:rPr lang="de-DE" dirty="0"/>
+              <a:t>Das System soll sich auf Änderungen in Angriffsmustern einstellen lassen    und neue, angepasste Angriffe generieren und den Nutzer mit diesen </a:t>
+            </a:r>
+            <a:br>
+              <a:rPr lang="de-DE" dirty="0"/>
+            </a:br>
+            <a:r>
+              <a:rPr lang="de-DE" dirty="0"/>
+              <a:t>Trainieren.</a:t>
+            </a:r>
+          </a:p>
+          <a:p>
+            <a:r>
+              <a:rPr lang="de-DE" dirty="0"/>
+              <a:t>Zusätzlich soll es sich in bestehende Umgebungen einbetten lassen und </a:t>
+            </a:r>
+            <a:br>
+              <a:rPr lang="de-DE" dirty="0"/>
+            </a:br>
+            <a:r>
+              <a:rPr lang="de-DE" dirty="0"/>
+              <a:t>möglichst einfach für den Nutzer ein sehr breites Angriffsspektrum </a:t>
+            </a:r>
+            <a:br>
+              <a:rPr lang="de-DE" dirty="0"/>
+            </a:br>
+            <a:r>
+              <a:rPr lang="de-DE" dirty="0"/>
+              <a:t>simulieren können.</a:t>
             </a:r>
           </a:p>
           <a:p>
@@ -5672,7 +6308,7 @@
     </p:spTree>
     <p:extLst>
       <p:ext uri="{BB962C8B-B14F-4D97-AF65-F5344CB8AC3E}">
-        <p14:creationId xmlns:p14="http://schemas.microsoft.com/office/powerpoint/2010/main" val="331893165"/>
+        <p14:creationId xmlns:p14="http://schemas.microsoft.com/office/powerpoint/2010/main" val="552176174"/>
       </p:ext>
     </p:extLst>
   </p:cSld>
@@ -5704,7 +6340,7 @@
           <p:cNvPr id="2" name="Titel 1">
             <a:extLst>
               <a:ext uri="{FF2B5EF4-FFF2-40B4-BE49-F238E27FC236}">
-                <a16:creationId xmlns:a16="http://schemas.microsoft.com/office/drawing/2014/main" id="{BA42F37D-707A-489E-860A-2FCE35BA8A85}"/>
+                <a16:creationId xmlns:a16="http://schemas.microsoft.com/office/drawing/2014/main" id="{6FB701BE-9FC8-468B-A1B4-928A7378B21D}"/>
               </a:ext>
             </a:extLst>
           </p:cNvPr>
@@ -5722,7 +6358,7 @@
           <a:p>
             <a:r>
               <a:rPr lang="de-DE" dirty="0"/>
-              <a:t>Risiken (allgemein)</a:t>
+              <a:t>Vorgehen zur Zielerreichung</a:t>
             </a:r>
           </a:p>
         </p:txBody>
@@ -5732,7 +6368,7 @@
           <p:cNvPr id="3" name="Inhaltsplatzhalter 2">
             <a:extLst>
               <a:ext uri="{FF2B5EF4-FFF2-40B4-BE49-F238E27FC236}">
-                <a16:creationId xmlns:a16="http://schemas.microsoft.com/office/drawing/2014/main" id="{9CF7FF5F-EF55-460C-96B2-3700F807D959}"/>
+                <a16:creationId xmlns:a16="http://schemas.microsoft.com/office/drawing/2014/main" id="{64C9016D-9356-4444-BB52-C06EB1D1D80A}"/>
               </a:ext>
             </a:extLst>
           </p:cNvPr>
@@ -5748,31 +6384,33 @@
           <a:bodyPr/>
           <a:lstStyle/>
           <a:p>
-            <a:pPr lvl="0"/>
-            <a:r>
-              <a:rPr lang="de-DE" dirty="0"/>
-              <a:t>Zielsetzung passt nicht zu der Problemstellung.</a:t>
-            </a:r>
-          </a:p>
-          <a:p>
-            <a:pPr lvl="0"/>
-            <a:r>
-              <a:rPr lang="de-DE" dirty="0"/>
-              <a:t>Problemstellung/Zielsetzung nicht klar definiert.</a:t>
-            </a:r>
-          </a:p>
-          <a:p>
-            <a:pPr lvl="0"/>
-            <a:r>
-              <a:rPr lang="de-DE" dirty="0"/>
-              <a:t>Unzureichendes/Ungenaues Domänenmodell.</a:t>
-            </a:r>
-          </a:p>
-          <a:p>
-            <a:pPr lvl="0"/>
-            <a:r>
-              <a:rPr lang="de-DE" dirty="0"/>
-              <a:t>Die Wirtschaftliche und Gesellschaftliche Relevanz fehlt.</a:t>
+            <a:r>
+              <a:rPr lang="de-DE" dirty="0"/>
+              <a:t>Langfristiger Anreiz und Erfolg durch Gamification</a:t>
+            </a:r>
+          </a:p>
+          <a:p>
+            <a:r>
+              <a:rPr lang="de-DE" dirty="0"/>
+              <a:t>Komplexitätsvarianz in Angriffen zum Angleich an Nutzerfähigkeiten</a:t>
+            </a:r>
+          </a:p>
+          <a:p>
+            <a:r>
+              <a:rPr lang="de-DE" dirty="0"/>
+              <a:t>Individualisierungsmöglichkeiten für Angriffe</a:t>
+            </a:r>
+          </a:p>
+          <a:p>
+            <a:r>
+              <a:rPr lang="de-DE" dirty="0"/>
+              <a:t>Aktive Einbindung in echte Werbeanzeigen oder Mails um initiativ zu wirken</a:t>
+            </a:r>
+          </a:p>
+          <a:p>
+            <a:r>
+              <a:rPr lang="de-DE" dirty="0"/>
+              <a:t>Nachträgliches nachliefern neuer Angriffe möglich</a:t>
             </a:r>
           </a:p>
           <a:p>
@@ -5783,7 +6421,7 @@
     </p:spTree>
     <p:extLst>
       <p:ext uri="{BB962C8B-B14F-4D97-AF65-F5344CB8AC3E}">
-        <p14:creationId xmlns:p14="http://schemas.microsoft.com/office/powerpoint/2010/main" val="3568905381"/>
+        <p14:creationId xmlns:p14="http://schemas.microsoft.com/office/powerpoint/2010/main" val="443940174"/>
       </p:ext>
     </p:extLst>
   </p:cSld>
@@ -5815,7 +6453,7 @@
           <p:cNvPr id="2" name="Titel 1">
             <a:extLst>
               <a:ext uri="{FF2B5EF4-FFF2-40B4-BE49-F238E27FC236}">
-                <a16:creationId xmlns:a16="http://schemas.microsoft.com/office/drawing/2014/main" id="{2C45EBE2-5739-418B-AF49-52E21AACC836}"/>
+                <a16:creationId xmlns:a16="http://schemas.microsoft.com/office/drawing/2014/main" id="{3D9F0A5A-284C-42D3-A599-0A55304E5C54}"/>
               </a:ext>
             </a:extLst>
           </p:cNvPr>
@@ -5833,7 +6471,7 @@
           <a:p>
             <a:r>
               <a:rPr lang="de-DE" dirty="0"/>
-              <a:t>Risiken (spezifisch)</a:t>
+              <a:t>Alleinstellungsmerkmale</a:t>
             </a:r>
           </a:p>
         </p:txBody>
@@ -5843,7 +6481,7 @@
           <p:cNvPr id="3" name="Inhaltsplatzhalter 2">
             <a:extLst>
               <a:ext uri="{FF2B5EF4-FFF2-40B4-BE49-F238E27FC236}">
-                <a16:creationId xmlns:a16="http://schemas.microsoft.com/office/drawing/2014/main" id="{C0C3ED22-965B-40BA-939B-E69A05BEBFA8}"/>
+                <a16:creationId xmlns:a16="http://schemas.microsoft.com/office/drawing/2014/main" id="{9C2F214B-5F8F-4A7D-B495-19E49C19FB4A}"/>
               </a:ext>
             </a:extLst>
           </p:cNvPr>
@@ -5856,57 +6494,63 @@
         </p:nvSpPr>
         <p:spPr/>
         <p:txBody>
-          <a:bodyPr>
-            <a:normAutofit lnSpcReduction="10000"/>
-          </a:bodyPr>
+          <a:bodyPr/>
           <a:lstStyle/>
           <a:p>
             <a:pPr lvl="0"/>
             <a:r>
               <a:rPr lang="de-DE" dirty="0"/>
-              <a:t>Die Lernplattform ist nicht erweiterbar.</a:t>
+              <a:t>Anpassung an die jeweiligen </a:t>
+            </a:r>
+            <a:r>
+              <a:rPr lang="de-DE" dirty="0" err="1"/>
+              <a:t>Nutzerskills</a:t>
+            </a:r>
+            <a:r>
+              <a:rPr lang="de-DE" dirty="0"/>
+              <a:t>.</a:t>
             </a:r>
           </a:p>
           <a:p>
             <a:pPr lvl="0"/>
             <a:r>
               <a:rPr lang="de-DE" dirty="0"/>
-              <a:t>Die Lernplattform bietet Funktionen, welche unrealisierbar sind.</a:t>
+              <a:t>Auch für Privatanwender nutzbar.</a:t>
             </a:r>
           </a:p>
           <a:p>
             <a:pPr lvl="0"/>
             <a:r>
               <a:rPr lang="de-DE" dirty="0"/>
-              <a:t>Die Stakeholder haben kein Interesse an der Software.</a:t>
+              <a:t>Möglichkeit der Gleichrangigkeit bei Firmen (Mitarbeiter = Chef).</a:t>
             </a:r>
           </a:p>
           <a:p>
             <a:pPr lvl="0"/>
             <a:r>
               <a:rPr lang="de-DE" dirty="0"/>
-              <a:t>Die Lernplattform wurde unzureichend an die ethischen und psychologischen Kriterien angepasst.</a:t>
+              <a:t>Einbettung in existierende Systeme</a:t>
             </a:r>
           </a:p>
           <a:p>
             <a:pPr lvl="0"/>
             <a:r>
               <a:rPr lang="de-DE" dirty="0"/>
-              <a:t>Der Gamification-Ansatz bietet keinen Mehrwert für das System.</a:t>
+              <a:t>Nutzertraining außerhalb der Plattform</a:t>
             </a:r>
           </a:p>
           <a:p>
             <a:pPr lvl="0"/>
             <a:r>
               <a:rPr lang="de-DE" dirty="0"/>
-              <a:t>Das System ist nicht genügend abgeschirmt und/oder schlecht integriert und ermöglicht selbst wieder einen Angriffsvektor</a:t>
+              <a:t>Keine zeitliche Begrenzung</a:t>
             </a:r>
           </a:p>
           <a:p>
             <a:pPr lvl="0"/>
             <a:r>
               <a:rPr lang="de-DE" dirty="0"/>
-              <a:t>Gemeldete Daten werden falsch gespeichert und es entstehen Datenlecks durch Meldungen echter Angriffe</a:t>
+              <a:t>Kann sich eventuell an den Nutzer und seine Fähigkeiten anpassen</a:t>
             </a:r>
           </a:p>
           <a:p>
@@ -5917,7 +6561,7 @@
     </p:spTree>
     <p:extLst>
       <p:ext uri="{BB962C8B-B14F-4D97-AF65-F5344CB8AC3E}">
-        <p14:creationId xmlns:p14="http://schemas.microsoft.com/office/powerpoint/2010/main" val="1188959765"/>
+        <p14:creationId xmlns:p14="http://schemas.microsoft.com/office/powerpoint/2010/main" val="331893165"/>
       </p:ext>
     </p:extLst>
   </p:cSld>
@@ -5949,7 +6593,7 @@
           <p:cNvPr id="2" name="Titel 1">
             <a:extLst>
               <a:ext uri="{FF2B5EF4-FFF2-40B4-BE49-F238E27FC236}">
-                <a16:creationId xmlns:a16="http://schemas.microsoft.com/office/drawing/2014/main" id="{9974659D-305A-43E4-BB15-E12789E48EE1}"/>
+                <a16:creationId xmlns:a16="http://schemas.microsoft.com/office/drawing/2014/main" id="{BA42F37D-707A-489E-860A-2FCE35BA8A85}"/>
               </a:ext>
             </a:extLst>
           </p:cNvPr>
@@ -5967,7 +6611,7 @@
           <a:p>
             <a:r>
               <a:rPr lang="de-DE" dirty="0"/>
-              <a:t>Abwägung der Methoden</a:t>
+              <a:t>Risiken (allgemein)</a:t>
             </a:r>
           </a:p>
         </p:txBody>
@@ -5977,7 +6621,7 @@
           <p:cNvPr id="3" name="Inhaltsplatzhalter 2">
             <a:extLst>
               <a:ext uri="{FF2B5EF4-FFF2-40B4-BE49-F238E27FC236}">
-                <a16:creationId xmlns:a16="http://schemas.microsoft.com/office/drawing/2014/main" id="{4D3B5E45-66F3-4F1F-80C1-C922E038E100}"/>
+                <a16:creationId xmlns:a16="http://schemas.microsoft.com/office/drawing/2014/main" id="{9CF7FF5F-EF55-460C-96B2-3700F807D959}"/>
               </a:ext>
             </a:extLst>
           </p:cNvPr>
@@ -5993,35 +6637,42 @@
           <a:bodyPr/>
           <a:lstStyle/>
           <a:p>
-            <a:r>
-              <a:rPr lang="de-DE" dirty="0"/>
-              <a:t>Webdienst statt Applikation für leichte Zugänglichkeit</a:t>
-            </a:r>
-          </a:p>
-          <a:p>
-            <a:r>
-              <a:rPr lang="de-DE" dirty="0"/>
-              <a:t>Gamification um Auswertbarkeit und Teilnahmeanreiz zu schaffen</a:t>
-            </a:r>
-          </a:p>
-          <a:p>
-            <a:r>
-              <a:rPr lang="de-DE" dirty="0"/>
-              <a:t>Breite Zugänglichkeit erhöht nebenläufigen Erfolg statt nur bei einer beschränkten Nutzergruppe</a:t>
-            </a:r>
-          </a:p>
-          <a:p>
-            <a:r>
-              <a:rPr lang="de-DE" dirty="0"/>
-              <a:t>Anpassung an Nutzerfähigkeiten um niemanden zu unter-/überfordern</a:t>
-            </a:r>
+            <a:pPr lvl="0"/>
+            <a:r>
+              <a:rPr lang="de-DE" dirty="0"/>
+              <a:t>Zielsetzung passt nicht zu der Problemstellung.</a:t>
+            </a:r>
+          </a:p>
+          <a:p>
+            <a:pPr lvl="0"/>
+            <a:r>
+              <a:rPr lang="de-DE" dirty="0"/>
+              <a:t>Problemstellung/Zielsetzung nicht klar definiert.</a:t>
+            </a:r>
+          </a:p>
+          <a:p>
+            <a:pPr lvl="0"/>
+            <a:r>
+              <a:rPr lang="de-DE" dirty="0"/>
+              <a:t>Unzureichendes/Ungenaues Domänenmodell.</a:t>
+            </a:r>
+          </a:p>
+          <a:p>
+            <a:pPr lvl="0"/>
+            <a:r>
+              <a:rPr lang="de-DE" dirty="0"/>
+              <a:t>Die Wirtschaftliche und Gesellschaftliche Relevanz fehlt.</a:t>
+            </a:r>
+          </a:p>
+          <a:p>
+            <a:endParaRPr lang="de-DE" dirty="0"/>
           </a:p>
         </p:txBody>
       </p:sp>
     </p:spTree>
     <p:extLst>
       <p:ext uri="{BB962C8B-B14F-4D97-AF65-F5344CB8AC3E}">
-        <p14:creationId xmlns:p14="http://schemas.microsoft.com/office/powerpoint/2010/main" val="1678949049"/>
+        <p14:creationId xmlns:p14="http://schemas.microsoft.com/office/powerpoint/2010/main" val="3568905381"/>
       </p:ext>
     </p:extLst>
   </p:cSld>
